--- a/Design_WetterApp.pptx
+++ b/Design_WetterApp.pptx
@@ -10,13 +10,19 @@
     <p:sldId id="261" r:id="rId7"/>
     <p:sldId id="262" r:id="rId8"/>
     <p:sldId id="263" r:id="rId9"/>
-    <p:sldId id="264" r:id="rId10"/>
-    <p:sldId id="265" r:id="rId11"/>
+    <p:sldId id="266" r:id="rId10"/>
+    <p:sldId id="269" r:id="rId11"/>
+    <p:sldId id="270" r:id="rId12"/>
+    <p:sldId id="267" r:id="rId13"/>
+    <p:sldId id="268" r:id="rId14"/>
+    <p:sldId id="271" r:id="rId15"/>
+    <p:sldId id="272" r:id="rId16"/>
+    <p:sldId id="273" r:id="rId17"/>
   </p:sldIdLst>
   <p:sldSz cx="12192000" cy="6858000"/>
   <p:notesSz cx="6858000" cy="9144000"/>
   <p:custDataLst>
-    <p:tags r:id="rId12"/>
+    <p:tags r:id="rId18"/>
   </p:custDataLst>
   <p:defaultTextStyle>
     <a:defPPr>
@@ -304,7 +310,7 @@
           <a:p>
             <a:fld id="{EA0EDBBA-F36F-4F40-8FE5-FF2925A0050C}" type="datetimeFigureOut">
               <a:rPr lang="de-DE" smtClean="0"/>
-              <a:t>02.07.2023</a:t>
+              <a:t>03.07.2023</a:t>
             </a:fld>
             <a:endParaRPr lang="de-DE"/>
           </a:p>
@@ -579,7 +585,7 @@
           <a:p>
             <a:fld id="{EA0EDBBA-F36F-4F40-8FE5-FF2925A0050C}" type="datetimeFigureOut">
               <a:rPr lang="de-DE" smtClean="0"/>
-              <a:t>02.07.2023</a:t>
+              <a:t>03.07.2023</a:t>
             </a:fld>
             <a:endParaRPr lang="de-DE"/>
           </a:p>
@@ -773,7 +779,7 @@
           <a:p>
             <a:fld id="{EA0EDBBA-F36F-4F40-8FE5-FF2925A0050C}" type="datetimeFigureOut">
               <a:rPr lang="de-DE" smtClean="0"/>
-              <a:t>02.07.2023</a:t>
+              <a:t>03.07.2023</a:t>
             </a:fld>
             <a:endParaRPr lang="de-DE"/>
           </a:p>
@@ -1041,7 +1047,7 @@
           <a:p>
             <a:fld id="{EA0EDBBA-F36F-4F40-8FE5-FF2925A0050C}" type="datetimeFigureOut">
               <a:rPr lang="de-DE" smtClean="0"/>
-              <a:t>02.07.2023</a:t>
+              <a:t>03.07.2023</a:t>
             </a:fld>
             <a:endParaRPr lang="de-DE"/>
           </a:p>
@@ -1373,7 +1379,7 @@
           <a:p>
             <a:fld id="{EA0EDBBA-F36F-4F40-8FE5-FF2925A0050C}" type="datetimeFigureOut">
               <a:rPr lang="de-DE" smtClean="0"/>
-              <a:t>02.07.2023</a:t>
+              <a:t>03.07.2023</a:t>
             </a:fld>
             <a:endParaRPr lang="de-DE"/>
           </a:p>
@@ -1983,7 +1989,7 @@
           <a:p>
             <a:fld id="{EA0EDBBA-F36F-4F40-8FE5-FF2925A0050C}" type="datetimeFigureOut">
               <a:rPr lang="de-DE" smtClean="0"/>
-              <a:t>02.07.2023</a:t>
+              <a:t>03.07.2023</a:t>
             </a:fld>
             <a:endParaRPr lang="de-DE"/>
           </a:p>
@@ -2830,7 +2836,7 @@
           <a:p>
             <a:fld id="{EA0EDBBA-F36F-4F40-8FE5-FF2925A0050C}" type="datetimeFigureOut">
               <a:rPr lang="de-DE" smtClean="0"/>
-              <a:t>02.07.2023</a:t>
+              <a:t>03.07.2023</a:t>
             </a:fld>
             <a:endParaRPr lang="de-DE"/>
           </a:p>
@@ -3000,7 +3006,7 @@
           <a:p>
             <a:fld id="{EA0EDBBA-F36F-4F40-8FE5-FF2925A0050C}" type="datetimeFigureOut">
               <a:rPr lang="de-DE" smtClean="0"/>
-              <a:t>02.07.2023</a:t>
+              <a:t>03.07.2023</a:t>
             </a:fld>
             <a:endParaRPr lang="de-DE"/>
           </a:p>
@@ -3180,7 +3186,7 @@
           <a:p>
             <a:fld id="{EA0EDBBA-F36F-4F40-8FE5-FF2925A0050C}" type="datetimeFigureOut">
               <a:rPr lang="de-DE" smtClean="0"/>
-              <a:t>02.07.2023</a:t>
+              <a:t>03.07.2023</a:t>
             </a:fld>
             <a:endParaRPr lang="de-DE"/>
           </a:p>
@@ -3350,7 +3356,7 @@
           <a:p>
             <a:fld id="{EA0EDBBA-F36F-4F40-8FE5-FF2925A0050C}" type="datetimeFigureOut">
               <a:rPr lang="de-DE" smtClean="0"/>
-              <a:t>02.07.2023</a:t>
+              <a:t>03.07.2023</a:t>
             </a:fld>
             <a:endParaRPr lang="de-DE"/>
           </a:p>
@@ -3594,7 +3600,7 @@
           <a:p>
             <a:fld id="{EA0EDBBA-F36F-4F40-8FE5-FF2925A0050C}" type="datetimeFigureOut">
               <a:rPr lang="de-DE" smtClean="0"/>
-              <a:t>02.07.2023</a:t>
+              <a:t>03.07.2023</a:t>
             </a:fld>
             <a:endParaRPr lang="de-DE"/>
           </a:p>
@@ -3886,7 +3892,7 @@
           <a:p>
             <a:fld id="{EA0EDBBA-F36F-4F40-8FE5-FF2925A0050C}" type="datetimeFigureOut">
               <a:rPr lang="de-DE" smtClean="0"/>
-              <a:t>02.07.2023</a:t>
+              <a:t>03.07.2023</a:t>
             </a:fld>
             <a:endParaRPr lang="de-DE"/>
           </a:p>
@@ -4324,7 +4330,7 @@
           <a:p>
             <a:fld id="{EA0EDBBA-F36F-4F40-8FE5-FF2925A0050C}" type="datetimeFigureOut">
               <a:rPr lang="de-DE" smtClean="0"/>
-              <a:t>02.07.2023</a:t>
+              <a:t>03.07.2023</a:t>
             </a:fld>
             <a:endParaRPr lang="de-DE"/>
           </a:p>
@@ -4442,7 +4448,7 @@
           <a:p>
             <a:fld id="{EA0EDBBA-F36F-4F40-8FE5-FF2925A0050C}" type="datetimeFigureOut">
               <a:rPr lang="de-DE" smtClean="0"/>
-              <a:t>02.07.2023</a:t>
+              <a:t>03.07.2023</a:t>
             </a:fld>
             <a:endParaRPr lang="de-DE"/>
           </a:p>
@@ -4537,7 +4543,7 @@
           <a:p>
             <a:fld id="{EA0EDBBA-F36F-4F40-8FE5-FF2925A0050C}" type="datetimeFigureOut">
               <a:rPr lang="de-DE" smtClean="0"/>
-              <a:t>02.07.2023</a:t>
+              <a:t>03.07.2023</a:t>
             </a:fld>
             <a:endParaRPr lang="de-DE"/>
           </a:p>
@@ -4816,7 +4822,7 @@
           <a:p>
             <a:fld id="{EA0EDBBA-F36F-4F40-8FE5-FF2925A0050C}" type="datetimeFigureOut">
               <a:rPr lang="de-DE" smtClean="0"/>
-              <a:t>02.07.2023</a:t>
+              <a:t>03.07.2023</a:t>
             </a:fld>
             <a:endParaRPr lang="de-DE"/>
           </a:p>
@@ -5091,7 +5097,7 @@
           <a:p>
             <a:fld id="{EA0EDBBA-F36F-4F40-8FE5-FF2925A0050C}" type="datetimeFigureOut">
               <a:rPr lang="de-DE" smtClean="0"/>
-              <a:t>02.07.2023</a:t>
+              <a:t>03.07.2023</a:t>
             </a:fld>
             <a:endParaRPr lang="de-DE"/>
           </a:p>
@@ -5188,7 +5194,7 @@
           </p:cNvGraphicFramePr>
           <p:nvPr userDrawn="1">
             <p:custDataLst>
-              <p:tags r:id="rId20"/>
+              <p:tags r:id="rId19"/>
             </p:custDataLst>
             <p:extLst>
               <p:ext uri="{D42A27DB-BD31-4B8C-83A1-F6EECF244321}">
@@ -5205,12 +5211,12 @@
           <a:graphicData uri="http://schemas.openxmlformats.org/presentationml/2006/ole">
             <mc:AlternateContent xmlns:mc="http://schemas.openxmlformats.org/markup-compatibility/2006">
               <mc:Choice xmlns:v="urn:schemas-microsoft-com:vml" Requires="v">
-                <p:oleObj spid="_x0000_s1028" name="think-cell Folie" r:id="rId21" imgW="395" imgH="394" progId="TCLayout.ActiveDocument.1">
+                <p:oleObj name="think-cell Folie" r:id="rId20" imgW="395" imgH="394" progId="TCLayout.ActiveDocument.1">
                   <p:embed/>
                 </p:oleObj>
               </mc:Choice>
               <mc:Fallback>
-                <p:oleObj name="think-cell Folie" r:id="rId21" imgW="395" imgH="394" progId="TCLayout.ActiveDocument.1">
+                <p:oleObj name="think-cell Folie" r:id="rId20" imgW="395" imgH="394" progId="TCLayout.ActiveDocument.1">
                   <p:embed/>
                   <p:pic>
                     <p:nvPicPr>
@@ -5219,7 +5225,7 @@
                       <p:nvPr/>
                     </p:nvPicPr>
                     <p:blipFill>
-                      <a:blip r:embed="rId22"/>
+                      <a:blip r:embed="rId21"/>
                       <a:stretch>
                         <a:fillRect/>
                       </a:stretch>
@@ -5249,7 +5255,7 @@
           <p:nvPr/>
         </p:nvPicPr>
         <p:blipFill rotWithShape="1">
-          <a:blip r:embed="rId23">
+          <a:blip r:embed="rId22">
             <a:extLst>
               <a:ext uri="{28A0092B-C50C-407E-A947-70E740481C1C}">
                 <a14:useLocalDpi xmlns:a14="http://schemas.microsoft.com/office/drawing/2010/main" val="0"/>
@@ -5278,7 +5284,7 @@
           <p:nvPr/>
         </p:nvPicPr>
         <p:blipFill rotWithShape="1">
-          <a:blip r:embed="rId24">
+          <a:blip r:embed="rId23">
             <a:extLst>
               <a:ext uri="{28A0092B-C50C-407E-A947-70E740481C1C}">
                 <a14:useLocalDpi xmlns:a14="http://schemas.microsoft.com/office/drawing/2010/main" val="0"/>
@@ -5377,7 +5383,7 @@
           <p:nvPr/>
         </p:nvPicPr>
         <p:blipFill rotWithShape="1">
-          <a:blip r:embed="rId25">
+          <a:blip r:embed="rId24">
             <a:extLst>
               <a:ext uri="{28A0092B-C50C-407E-A947-70E740481C1C}">
                 <a14:useLocalDpi xmlns:a14="http://schemas.microsoft.com/office/drawing/2010/main" val="0"/>
@@ -5406,7 +5412,7 @@
           <p:nvPr/>
         </p:nvPicPr>
         <p:blipFill rotWithShape="1">
-          <a:blip r:embed="rId26">
+          <a:blip r:embed="rId25">
             <a:extLst>
               <a:ext uri="{28A0092B-C50C-407E-A947-70E740481C1C}">
                 <a14:useLocalDpi xmlns:a14="http://schemas.microsoft.com/office/drawing/2010/main" val="0"/>
@@ -5600,7 +5606,7 @@
           <a:p>
             <a:fld id="{EA0EDBBA-F36F-4F40-8FE5-FF2925A0050C}" type="datetimeFigureOut">
               <a:rPr lang="de-DE" smtClean="0"/>
-              <a:t>02.07.2023</a:t>
+              <a:t>03.07.2023</a:t>
             </a:fld>
             <a:endParaRPr lang="de-DE"/>
           </a:p>
@@ -5682,6 +5688,54 @@
               <a:t>‹Nr.›</a:t>
             </a:fld>
             <a:endParaRPr lang="de-DE"/>
+          </a:p>
+        </p:txBody>
+      </p:sp>
+      <p:sp>
+        <p:nvSpPr>
+          <p:cNvPr id="11" name="MSIPCMContentMarking" descr="{&quot;HashCode&quot;:-1692887849,&quot;Placement&quot;:&quot;Header&quot;,&quot;Top&quot;:0.0,&quot;Left&quot;:0.0,&quot;SlideWidth&quot;:960,&quot;SlideHeight&quot;:540}">
+            <a:extLst>
+              <a:ext uri="{FF2B5EF4-FFF2-40B4-BE49-F238E27FC236}">
+                <a16:creationId xmlns:a16="http://schemas.microsoft.com/office/drawing/2014/main" id="{6B549168-5A10-A63D-EF4A-194B7DD8C853}"/>
+              </a:ext>
+            </a:extLst>
+          </p:cNvPr>
+          <p:cNvSpPr txBox="1"/>
+          <p:nvPr userDrawn="1"/>
+        </p:nvSpPr>
+        <p:spPr>
+          <a:xfrm>
+            <a:off x="0" y="0"/>
+            <a:ext cx="663105" cy="252360"/>
+          </a:xfrm>
+          <a:prstGeom prst="rect">
+            <a:avLst/>
+          </a:prstGeom>
+          <a:noFill/>
+        </p:spPr>
+        <p:txBody>
+          <a:bodyPr vert="horz" wrap="square" lIns="0" tIns="0" rIns="0" bIns="0" rtlCol="0" anchor="ctr" anchorCtr="1">
+            <a:spAutoFit/>
+          </a:bodyPr>
+          <a:lstStyle/>
+          <a:p>
+            <a:pPr algn="l">
+              <a:spcBef>
+                <a:spcPts val="0"/>
+              </a:spcBef>
+              <a:spcAft>
+                <a:spcPts val="0"/>
+              </a:spcAft>
+            </a:pPr>
+            <a:r>
+              <a:rPr lang="en-GB" sz="1000">
+                <a:solidFill>
+                  <a:srgbClr val="000000"/>
+                </a:solidFill>
+                <a:latin typeface="CorpoS" pitchFamily="2" charset="0"/>
+              </a:rPr>
+              <a:t>Internal</a:t>
+            </a:r>
           </a:p>
         </p:txBody>
       </p:sp>
@@ -6978,6 +7032,763 @@
 </p:sld>
 </file>
 
+<file path=ppt/slides/slide10.xml><?xml version="1.0" encoding="utf-8"?>
+<p:sld xmlns:a="http://schemas.openxmlformats.org/drawingml/2006/main" xmlns:r="http://schemas.openxmlformats.org/officeDocument/2006/relationships" xmlns:p="http://schemas.openxmlformats.org/presentationml/2006/main">
+  <p:cSld>
+    <p:spTree>
+      <p:nvGrpSpPr>
+        <p:cNvPr id="1" name=""/>
+        <p:cNvGrpSpPr/>
+        <p:nvPr/>
+      </p:nvGrpSpPr>
+      <p:grpSpPr>
+        <a:xfrm>
+          <a:off x="0" y="0"/>
+          <a:ext cx="0" cy="0"/>
+          <a:chOff x="0" y="0"/>
+          <a:chExt cx="0" cy="0"/>
+        </a:xfrm>
+      </p:grpSpPr>
+      <p:sp>
+        <p:nvSpPr>
+          <p:cNvPr id="16" name="Textfeld 15"/>
+          <p:cNvSpPr txBox="1"/>
+          <p:nvPr/>
+        </p:nvSpPr>
+        <p:spPr>
+          <a:xfrm>
+            <a:off x="217476" y="598268"/>
+            <a:ext cx="6804837" cy="646331"/>
+          </a:xfrm>
+          <a:prstGeom prst="rect">
+            <a:avLst/>
+          </a:prstGeom>
+          <a:noFill/>
+        </p:spPr>
+        <p:txBody>
+          <a:bodyPr wrap="square" rtlCol="0">
+            <a:spAutoFit/>
+          </a:bodyPr>
+          <a:lstStyle/>
+          <a:p>
+            <a:r>
+              <a:rPr lang="de-DE" sz="3600" b="1" dirty="0"/>
+              <a:t>Grundidee V1.2</a:t>
+            </a:r>
+          </a:p>
+        </p:txBody>
+      </p:sp>
+      <p:sp>
+        <p:nvSpPr>
+          <p:cNvPr id="8" name="Textfeld 7"/>
+          <p:cNvSpPr txBox="1"/>
+          <p:nvPr/>
+        </p:nvSpPr>
+        <p:spPr>
+          <a:xfrm>
+            <a:off x="-6806302" y="598268"/>
+            <a:ext cx="6804837" cy="646331"/>
+          </a:xfrm>
+          <a:prstGeom prst="rect">
+            <a:avLst/>
+          </a:prstGeom>
+          <a:noFill/>
+        </p:spPr>
+        <p:txBody>
+          <a:bodyPr wrap="square" rtlCol="0">
+            <a:spAutoFit/>
+          </a:bodyPr>
+          <a:lstStyle/>
+          <a:p>
+            <a:r>
+              <a:rPr lang="de-DE" sz="3600" b="1" dirty="0"/>
+              <a:t>Projektplanung</a:t>
+            </a:r>
+          </a:p>
+        </p:txBody>
+      </p:sp>
+      <p:pic>
+        <p:nvPicPr>
+          <p:cNvPr id="41" name="Grafik 40"/>
+          <p:cNvPicPr>
+            <a:picLocks/>
+          </p:cNvPicPr>
+          <p:nvPr/>
+        </p:nvPicPr>
+        <p:blipFill rotWithShape="1">
+          <a:blip r:embed="rId2"/>
+          <a:srcRect t="235" r="48745"/>
+          <a:stretch/>
+        </p:blipFill>
+        <p:spPr>
+          <a:xfrm flipH="1">
+            <a:off x="10186736" y="-1528"/>
+            <a:ext cx="2006463" cy="6858000"/>
+          </a:xfrm>
+          <a:prstGeom prst="rect">
+            <a:avLst/>
+          </a:prstGeom>
+        </p:spPr>
+      </p:pic>
+      <p:sp>
+        <p:nvSpPr>
+          <p:cNvPr id="10" name="Textfeld 9"/>
+          <p:cNvSpPr txBox="1"/>
+          <p:nvPr/>
+        </p:nvSpPr>
+        <p:spPr>
+          <a:xfrm>
+            <a:off x="7965440" y="445931"/>
+            <a:ext cx="3830320" cy="338554"/>
+          </a:xfrm>
+          <a:prstGeom prst="rect">
+            <a:avLst/>
+          </a:prstGeom>
+          <a:noFill/>
+          <a:ln w="12700">
+            <a:solidFill>
+              <a:schemeClr val="tx1">
+                <a:lumMod val="65000"/>
+              </a:schemeClr>
+            </a:solidFill>
+          </a:ln>
+        </p:spPr>
+        <p:txBody>
+          <a:bodyPr wrap="square" rtlCol="0">
+            <a:spAutoFit/>
+          </a:bodyPr>
+          <a:lstStyle/>
+          <a:p>
+            <a:r>
+              <a:rPr lang="de-DE" sz="1600" dirty="0"/>
+              <a:t>Search </a:t>
+            </a:r>
+            <a:r>
+              <a:rPr lang="de-DE" sz="1600" dirty="0" err="1"/>
+              <a:t>city</a:t>
+            </a:r>
+            <a:r>
+              <a:rPr lang="de-DE" sz="1600" dirty="0"/>
+              <a:t>…</a:t>
+            </a:r>
+          </a:p>
+        </p:txBody>
+      </p:sp>
+      <p:pic>
+        <p:nvPicPr>
+          <p:cNvPr id="11" name="Picture 2" descr="Navigation Symbol in Feather"/>
+          <p:cNvPicPr>
+            <a:picLocks noChangeAspect="1" noChangeArrowheads="1"/>
+          </p:cNvPicPr>
+          <p:nvPr/>
+        </p:nvPicPr>
+        <p:blipFill>
+          <a:blip r:embed="rId3" cstate="print">
+            <a:lum bright="70000" contrast="-70000"/>
+            <a:extLst>
+              <a:ext uri="{28A0092B-C50C-407E-A947-70E740481C1C}">
+                <a14:useLocalDpi xmlns:a14="http://schemas.microsoft.com/office/drawing/2010/main" val="0"/>
+              </a:ext>
+            </a:extLst>
+          </a:blip>
+          <a:srcRect/>
+          <a:stretch>
+            <a:fillRect/>
+          </a:stretch>
+        </p:blipFill>
+        <p:spPr bwMode="auto">
+          <a:xfrm>
+            <a:off x="7433250" y="415154"/>
+            <a:ext cx="400110" cy="400110"/>
+          </a:xfrm>
+          <a:prstGeom prst="rect">
+            <a:avLst/>
+          </a:prstGeom>
+          <a:noFill/>
+          <a:ln>
+            <a:solidFill>
+              <a:schemeClr val="tx1">
+                <a:lumMod val="65000"/>
+              </a:schemeClr>
+            </a:solidFill>
+          </a:ln>
+        </p:spPr>
+      </p:pic>
+      <p:sp>
+        <p:nvSpPr>
+          <p:cNvPr id="36" name="Textfeld 35"/>
+          <p:cNvSpPr txBox="1"/>
+          <p:nvPr/>
+        </p:nvSpPr>
+        <p:spPr>
+          <a:xfrm>
+            <a:off x="8560248" y="6462937"/>
+            <a:ext cx="3516314" cy="307777"/>
+          </a:xfrm>
+          <a:prstGeom prst="rect">
+            <a:avLst/>
+          </a:prstGeom>
+          <a:noFill/>
+        </p:spPr>
+        <p:txBody>
+          <a:bodyPr wrap="square" rtlCol="0">
+            <a:spAutoFit/>
+          </a:bodyPr>
+          <a:lstStyle/>
+          <a:p>
+            <a:r>
+              <a:rPr lang="de-DE" sz="1400" dirty="0"/>
+              <a:t>Maurice, Hesham, Merve, Henrik, Luca</a:t>
+            </a:r>
+          </a:p>
+        </p:txBody>
+      </p:sp>
+      <p:sp>
+        <p:nvSpPr>
+          <p:cNvPr id="9" name="Textfeld 8"/>
+          <p:cNvSpPr txBox="1"/>
+          <p:nvPr/>
+        </p:nvSpPr>
+        <p:spPr>
+          <a:xfrm>
+            <a:off x="217478" y="75050"/>
+            <a:ext cx="9167811" cy="523220"/>
+          </a:xfrm>
+          <a:prstGeom prst="rect">
+            <a:avLst/>
+          </a:prstGeom>
+          <a:noFill/>
+        </p:spPr>
+        <p:txBody>
+          <a:bodyPr wrap="square" rtlCol="0">
+            <a:spAutoFit/>
+          </a:bodyPr>
+          <a:lstStyle/>
+          <a:p>
+            <a:r>
+              <a:rPr lang="de-DE" sz="2800" b="1" dirty="0" err="1">
+                <a:latin typeface="Agency FB" panose="020B0503020202020204" pitchFamily="34" charset="0"/>
+              </a:rPr>
+              <a:t>WeatherApp</a:t>
+            </a:r>
+            <a:endParaRPr lang="de-DE" sz="2800" b="1" dirty="0">
+              <a:latin typeface="Agency FB" panose="020B0503020202020204" pitchFamily="34" charset="0"/>
+            </a:endParaRPr>
+          </a:p>
+        </p:txBody>
+      </p:sp>
+      <p:sp>
+        <p:nvSpPr>
+          <p:cNvPr id="4" name="Textfeld 3">
+            <a:extLst>
+              <a:ext uri="{FF2B5EF4-FFF2-40B4-BE49-F238E27FC236}">
+                <a16:creationId xmlns:a16="http://schemas.microsoft.com/office/drawing/2014/main" id="{6DD55A11-D9DF-6E7C-777F-8232AE15F8A4}"/>
+              </a:ext>
+            </a:extLst>
+          </p:cNvPr>
+          <p:cNvSpPr txBox="1"/>
+          <p:nvPr/>
+        </p:nvSpPr>
+        <p:spPr>
+          <a:xfrm>
+            <a:off x="-6804837" y="598268"/>
+            <a:ext cx="6804837" cy="646331"/>
+          </a:xfrm>
+          <a:prstGeom prst="rect">
+            <a:avLst/>
+          </a:prstGeom>
+          <a:noFill/>
+        </p:spPr>
+        <p:txBody>
+          <a:bodyPr wrap="square" rtlCol="0">
+            <a:spAutoFit/>
+          </a:bodyPr>
+          <a:lstStyle/>
+          <a:p>
+            <a:r>
+              <a:rPr lang="de-DE" sz="3600" b="1" dirty="0"/>
+              <a:t>Ausarbeitung</a:t>
+            </a:r>
+          </a:p>
+        </p:txBody>
+      </p:sp>
+      <p:sp>
+        <p:nvSpPr>
+          <p:cNvPr id="2" name="Textfeld 1">
+            <a:extLst>
+              <a:ext uri="{FF2B5EF4-FFF2-40B4-BE49-F238E27FC236}">
+                <a16:creationId xmlns:a16="http://schemas.microsoft.com/office/drawing/2014/main" id="{44F8F2A8-9375-2E0B-F917-9FA364D67058}"/>
+              </a:ext>
+            </a:extLst>
+          </p:cNvPr>
+          <p:cNvSpPr txBox="1"/>
+          <p:nvPr/>
+        </p:nvSpPr>
+        <p:spPr>
+          <a:xfrm>
+            <a:off x="465549" y="1767817"/>
+            <a:ext cx="9320464" cy="1477328"/>
+          </a:xfrm>
+          <a:prstGeom prst="rect">
+            <a:avLst/>
+          </a:prstGeom>
+          <a:noFill/>
+        </p:spPr>
+        <p:txBody>
+          <a:bodyPr wrap="square" rtlCol="0">
+            <a:spAutoFit/>
+          </a:bodyPr>
+          <a:lstStyle/>
+          <a:p>
+            <a:pPr marL="285750" indent="-285750">
+              <a:buFont typeface="Wingdings" panose="05000000000000000000" pitchFamily="2" charset="2"/>
+              <a:buChar char="Ø"/>
+            </a:pPr>
+            <a:r>
+              <a:rPr lang="en-GB" dirty="0" err="1"/>
+              <a:t>APICall</a:t>
+            </a:r>
+            <a:r>
+              <a:rPr lang="en-GB" dirty="0"/>
+              <a:t> </a:t>
+            </a:r>
+            <a:r>
+              <a:rPr lang="en-GB" dirty="0">
+                <a:sym typeface="Wingdings" panose="05000000000000000000" pitchFamily="2" charset="2"/>
+              </a:rPr>
+              <a:t> </a:t>
+            </a:r>
+            <a:r>
+              <a:rPr lang="en-GB" dirty="0" err="1">
+                <a:sym typeface="Wingdings" panose="05000000000000000000" pitchFamily="2" charset="2"/>
+              </a:rPr>
+              <a:t>GeoLocator-Klasse</a:t>
+            </a:r>
+            <a:r>
+              <a:rPr lang="en-GB" dirty="0">
+                <a:sym typeface="Wingdings" panose="05000000000000000000" pitchFamily="2" charset="2"/>
+              </a:rPr>
+              <a:t> für </a:t>
+            </a:r>
+            <a:r>
+              <a:rPr lang="en-GB" dirty="0" err="1">
+                <a:sym typeface="Wingdings" panose="05000000000000000000" pitchFamily="2" charset="2"/>
+              </a:rPr>
+              <a:t>aktuellen</a:t>
+            </a:r>
+            <a:r>
+              <a:rPr lang="en-GB" dirty="0">
+                <a:sym typeface="Wingdings" panose="05000000000000000000" pitchFamily="2" charset="2"/>
+              </a:rPr>
+              <a:t> </a:t>
+            </a:r>
+            <a:r>
+              <a:rPr lang="en-GB" dirty="0" err="1">
+                <a:sym typeface="Wingdings" panose="05000000000000000000" pitchFamily="2" charset="2"/>
+              </a:rPr>
+              <a:t>geografischen</a:t>
+            </a:r>
+            <a:r>
+              <a:rPr lang="en-GB" dirty="0">
+                <a:sym typeface="Wingdings" panose="05000000000000000000" pitchFamily="2" charset="2"/>
+              </a:rPr>
+              <a:t> </a:t>
+            </a:r>
+            <a:r>
+              <a:rPr lang="en-GB" dirty="0" err="1">
+                <a:sym typeface="Wingdings" panose="05000000000000000000" pitchFamily="2" charset="2"/>
+              </a:rPr>
+              <a:t>Standort</a:t>
+            </a:r>
+            <a:br>
+              <a:rPr lang="en-GB" dirty="0">
+                <a:sym typeface="Wingdings" panose="05000000000000000000" pitchFamily="2" charset="2"/>
+              </a:rPr>
+            </a:br>
+            <a:r>
+              <a:rPr lang="en-GB" dirty="0">
+                <a:sym typeface="Wingdings" panose="05000000000000000000" pitchFamily="2" charset="2"/>
+              </a:rPr>
+              <a:t>		    Weather-</a:t>
+            </a:r>
+            <a:r>
+              <a:rPr lang="en-GB" dirty="0" err="1">
+                <a:sym typeface="Wingdings" panose="05000000000000000000" pitchFamily="2" charset="2"/>
+              </a:rPr>
+              <a:t>Klasse</a:t>
+            </a:r>
+            <a:r>
+              <a:rPr lang="en-GB" dirty="0">
+                <a:sym typeface="Wingdings" panose="05000000000000000000" pitchFamily="2" charset="2"/>
+              </a:rPr>
+              <a:t> für </a:t>
+            </a:r>
+            <a:r>
+              <a:rPr lang="en-GB" dirty="0" err="1">
+                <a:sym typeface="Wingdings" panose="05000000000000000000" pitchFamily="2" charset="2"/>
+              </a:rPr>
+              <a:t>aktuelle</a:t>
+            </a:r>
+            <a:r>
+              <a:rPr lang="en-GB" dirty="0">
+                <a:sym typeface="Wingdings" panose="05000000000000000000" pitchFamily="2" charset="2"/>
+              </a:rPr>
+              <a:t> </a:t>
+            </a:r>
+            <a:r>
+              <a:rPr lang="en-GB" dirty="0" err="1">
+                <a:sym typeface="Wingdings" panose="05000000000000000000" pitchFamily="2" charset="2"/>
+              </a:rPr>
+              <a:t>Wetterinformation</a:t>
+            </a:r>
+            <a:endParaRPr lang="en-GB" dirty="0">
+              <a:sym typeface="Wingdings" panose="05000000000000000000" pitchFamily="2" charset="2"/>
+            </a:endParaRPr>
+          </a:p>
+          <a:p>
+            <a:pPr marL="285750" indent="-285750">
+              <a:buFont typeface="Wingdings" panose="05000000000000000000" pitchFamily="2" charset="2"/>
+              <a:buChar char="Ø"/>
+            </a:pPr>
+            <a:endParaRPr lang="en-GB" dirty="0">
+              <a:sym typeface="Wingdings" panose="05000000000000000000" pitchFamily="2" charset="2"/>
+            </a:endParaRPr>
+          </a:p>
+          <a:p>
+            <a:pPr marL="285750" indent="-285750">
+              <a:buFont typeface="Wingdings" panose="05000000000000000000" pitchFamily="2" charset="2"/>
+              <a:buChar char="Ø"/>
+            </a:pPr>
+            <a:r>
+              <a:rPr lang="en-GB" dirty="0">
+                <a:sym typeface="Wingdings" panose="05000000000000000000" pitchFamily="2" charset="2"/>
+              </a:rPr>
+              <a:t>DB-Access  Cities-</a:t>
+            </a:r>
+            <a:r>
+              <a:rPr lang="en-GB" dirty="0" err="1">
+                <a:sym typeface="Wingdings" panose="05000000000000000000" pitchFamily="2" charset="2"/>
+              </a:rPr>
+              <a:t>Klasse</a:t>
+            </a:r>
+            <a:r>
+              <a:rPr lang="en-GB" dirty="0">
+                <a:sym typeface="Wingdings" panose="05000000000000000000" pitchFamily="2" charset="2"/>
+              </a:rPr>
+              <a:t> für den </a:t>
+            </a:r>
+            <a:r>
+              <a:rPr lang="en-GB" dirty="0" err="1">
+                <a:sym typeface="Wingdings" panose="05000000000000000000" pitchFamily="2" charset="2"/>
+              </a:rPr>
+              <a:t>Zugriff</a:t>
+            </a:r>
+            <a:r>
+              <a:rPr lang="en-GB" dirty="0">
+                <a:sym typeface="Wingdings" panose="05000000000000000000" pitchFamily="2" charset="2"/>
+              </a:rPr>
+              <a:t> auf die Cities-</a:t>
+            </a:r>
+            <a:r>
+              <a:rPr lang="en-GB" dirty="0" err="1">
+                <a:sym typeface="Wingdings" panose="05000000000000000000" pitchFamily="2" charset="2"/>
+              </a:rPr>
+              <a:t>Datenbank</a:t>
+            </a:r>
+            <a:endParaRPr lang="en-GB" dirty="0"/>
+          </a:p>
+          <a:p>
+            <a:pPr marL="285750" indent="-285750">
+              <a:buFont typeface="Wingdings" panose="05000000000000000000" pitchFamily="2" charset="2"/>
+              <a:buChar char="Ø"/>
+            </a:pPr>
+            <a:r>
+              <a:rPr lang="en-GB" dirty="0"/>
+              <a:t>Array </a:t>
+            </a:r>
+            <a:r>
+              <a:rPr lang="en-GB" dirty="0">
+                <a:sym typeface="Wingdings" panose="05000000000000000000" pitchFamily="2" charset="2"/>
+              </a:rPr>
+              <a:t> Location </a:t>
+            </a:r>
+            <a:r>
+              <a:rPr lang="en-GB" dirty="0" err="1">
+                <a:sym typeface="Wingdings" panose="05000000000000000000" pitchFamily="2" charset="2"/>
+              </a:rPr>
+              <a:t>Klasse</a:t>
+            </a:r>
+            <a:endParaRPr lang="en-GB" dirty="0"/>
+          </a:p>
+        </p:txBody>
+      </p:sp>
+    </p:spTree>
+    <p:extLst>
+      <p:ext uri="{BB962C8B-B14F-4D97-AF65-F5344CB8AC3E}">
+        <p14:creationId xmlns:p14="http://schemas.microsoft.com/office/powerpoint/2010/main" val="3365194575"/>
+      </p:ext>
+    </p:extLst>
+  </p:cSld>
+  <p:clrMapOvr>
+    <a:masterClrMapping/>
+  </p:clrMapOvr>
+  <mc:AlternateContent xmlns:mc="http://schemas.openxmlformats.org/markup-compatibility/2006" xmlns:p159="http://schemas.microsoft.com/office/powerpoint/2015/09/main">
+    <mc:Choice Requires="p159">
+      <p:transition xmlns:p14="http://schemas.microsoft.com/office/powerpoint/2010/main" spd="slow" p14:dur="2000">
+        <p159:morph option="byObject"/>
+      </p:transition>
+    </mc:Choice>
+    <mc:Fallback xmlns="">
+      <p:transition spd="slow">
+        <p:fade/>
+      </p:transition>
+    </mc:Fallback>
+  </mc:AlternateContent>
+</p:sld>
+</file>
+
+<file path=ppt/slides/slide11.xml><?xml version="1.0" encoding="utf-8"?>
+<p:sld xmlns:a="http://schemas.openxmlformats.org/drawingml/2006/main" xmlns:r="http://schemas.openxmlformats.org/officeDocument/2006/relationships" xmlns:p="http://schemas.openxmlformats.org/presentationml/2006/main">
+  <p:cSld>
+    <p:spTree>
+      <p:nvGrpSpPr>
+        <p:cNvPr id="1" name=""/>
+        <p:cNvGrpSpPr/>
+        <p:nvPr/>
+      </p:nvGrpSpPr>
+      <p:grpSpPr>
+        <a:xfrm>
+          <a:off x="0" y="0"/>
+          <a:ext cx="0" cy="0"/>
+          <a:chOff x="0" y="0"/>
+          <a:chExt cx="0" cy="0"/>
+        </a:xfrm>
+      </p:grpSpPr>
+      <p:sp>
+        <p:nvSpPr>
+          <p:cNvPr id="2" name="Titel 1">
+            <a:extLst>
+              <a:ext uri="{FF2B5EF4-FFF2-40B4-BE49-F238E27FC236}">
+                <a16:creationId xmlns:a16="http://schemas.microsoft.com/office/drawing/2014/main" id="{2D9CFB20-DD34-3B44-0D15-6499CE2D2899}"/>
+              </a:ext>
+            </a:extLst>
+          </p:cNvPr>
+          <p:cNvSpPr>
+            <a:spLocks noGrp="1"/>
+          </p:cNvSpPr>
+          <p:nvPr>
+            <p:ph type="title"/>
+          </p:nvPr>
+        </p:nvSpPr>
+        <p:spPr/>
+        <p:txBody>
+          <a:bodyPr/>
+          <a:lstStyle/>
+          <a:p>
+            <a:r>
+              <a:rPr lang="en-GB" dirty="0"/>
+              <a:t>App </a:t>
+            </a:r>
+            <a:r>
+              <a:rPr lang="en-GB" dirty="0" err="1"/>
+              <a:t>zeigen</a:t>
+            </a:r>
+            <a:endParaRPr lang="en-GB" dirty="0"/>
+          </a:p>
+        </p:txBody>
+      </p:sp>
+    </p:spTree>
+    <p:extLst>
+      <p:ext uri="{BB962C8B-B14F-4D97-AF65-F5344CB8AC3E}">
+        <p14:creationId xmlns:p14="http://schemas.microsoft.com/office/powerpoint/2010/main" val="3332603304"/>
+      </p:ext>
+    </p:extLst>
+  </p:cSld>
+  <p:clrMapOvr>
+    <a:masterClrMapping/>
+  </p:clrMapOvr>
+</p:sld>
+</file>
+
+<file path=ppt/slides/slide12.xml><?xml version="1.0" encoding="utf-8"?>
+<p:sld xmlns:a="http://schemas.openxmlformats.org/drawingml/2006/main" xmlns:r="http://schemas.openxmlformats.org/officeDocument/2006/relationships" xmlns:p="http://schemas.openxmlformats.org/presentationml/2006/main">
+  <p:cSld>
+    <p:spTree>
+      <p:nvGrpSpPr>
+        <p:cNvPr id="1" name=""/>
+        <p:cNvGrpSpPr/>
+        <p:nvPr/>
+      </p:nvGrpSpPr>
+      <p:grpSpPr>
+        <a:xfrm>
+          <a:off x="0" y="0"/>
+          <a:ext cx="0" cy="0"/>
+          <a:chOff x="0" y="0"/>
+          <a:chExt cx="0" cy="0"/>
+        </a:xfrm>
+      </p:grpSpPr>
+      <p:sp>
+        <p:nvSpPr>
+          <p:cNvPr id="2" name="Titel 1">
+            <a:extLst>
+              <a:ext uri="{FF2B5EF4-FFF2-40B4-BE49-F238E27FC236}">
+                <a16:creationId xmlns:a16="http://schemas.microsoft.com/office/drawing/2014/main" id="{706796B0-0E12-115F-E07B-7C0399F30587}"/>
+              </a:ext>
+            </a:extLst>
+          </p:cNvPr>
+          <p:cNvSpPr>
+            <a:spLocks noGrp="1"/>
+          </p:cNvSpPr>
+          <p:nvPr>
+            <p:ph type="title"/>
+          </p:nvPr>
+        </p:nvSpPr>
+        <p:spPr/>
+        <p:txBody>
+          <a:bodyPr/>
+          <a:lstStyle/>
+          <a:p>
+            <a:r>
+              <a:rPr lang="en-GB" dirty="0" err="1"/>
+              <a:t>Codestelle</a:t>
+            </a:r>
+            <a:r>
+              <a:rPr lang="en-GB" dirty="0"/>
+              <a:t> </a:t>
+            </a:r>
+            <a:r>
+              <a:rPr lang="en-GB" dirty="0" err="1"/>
+              <a:t>Hesh</a:t>
+            </a:r>
+            <a:endParaRPr lang="en-GB" dirty="0"/>
+          </a:p>
+        </p:txBody>
+      </p:sp>
+      <p:sp>
+        <p:nvSpPr>
+          <p:cNvPr id="3" name="Inhaltsplatzhalter 2">
+            <a:extLst>
+              <a:ext uri="{FF2B5EF4-FFF2-40B4-BE49-F238E27FC236}">
+                <a16:creationId xmlns:a16="http://schemas.microsoft.com/office/drawing/2014/main" id="{C8A2EF16-CD7A-C505-C3DC-55B00E062C74}"/>
+              </a:ext>
+            </a:extLst>
+          </p:cNvPr>
+          <p:cNvSpPr>
+            <a:spLocks noGrp="1"/>
+          </p:cNvSpPr>
+          <p:nvPr>
+            <p:ph idx="1"/>
+          </p:nvPr>
+        </p:nvSpPr>
+        <p:spPr/>
+        <p:txBody>
+          <a:bodyPr/>
+          <a:lstStyle/>
+          <a:p>
+            <a:endParaRPr lang="en-GB"/>
+          </a:p>
+        </p:txBody>
+      </p:sp>
+    </p:spTree>
+    <p:extLst>
+      <p:ext uri="{BB962C8B-B14F-4D97-AF65-F5344CB8AC3E}">
+        <p14:creationId xmlns:p14="http://schemas.microsoft.com/office/powerpoint/2010/main" val="3336846065"/>
+      </p:ext>
+    </p:extLst>
+  </p:cSld>
+  <p:clrMapOvr>
+    <a:masterClrMapping/>
+  </p:clrMapOvr>
+</p:sld>
+</file>
+
+<file path=ppt/slides/slide13.xml><?xml version="1.0" encoding="utf-8"?>
+<p:sld xmlns:a="http://schemas.openxmlformats.org/drawingml/2006/main" xmlns:r="http://schemas.openxmlformats.org/officeDocument/2006/relationships" xmlns:p="http://schemas.openxmlformats.org/presentationml/2006/main">
+  <p:cSld>
+    <p:spTree>
+      <p:nvGrpSpPr>
+        <p:cNvPr id="1" name=""/>
+        <p:cNvGrpSpPr/>
+        <p:nvPr/>
+      </p:nvGrpSpPr>
+      <p:grpSpPr>
+        <a:xfrm>
+          <a:off x="0" y="0"/>
+          <a:ext cx="0" cy="0"/>
+          <a:chOff x="0" y="0"/>
+          <a:chExt cx="0" cy="0"/>
+        </a:xfrm>
+      </p:grpSpPr>
+      <p:sp>
+        <p:nvSpPr>
+          <p:cNvPr id="2" name="Titel 1">
+            <a:extLst>
+              <a:ext uri="{FF2B5EF4-FFF2-40B4-BE49-F238E27FC236}">
+                <a16:creationId xmlns:a16="http://schemas.microsoft.com/office/drawing/2014/main" id="{213E4A18-991A-D673-DF36-085EDDC6506B}"/>
+              </a:ext>
+            </a:extLst>
+          </p:cNvPr>
+          <p:cNvSpPr>
+            <a:spLocks noGrp="1"/>
+          </p:cNvSpPr>
+          <p:nvPr>
+            <p:ph type="title"/>
+          </p:nvPr>
+        </p:nvSpPr>
+        <p:spPr/>
+        <p:txBody>
+          <a:bodyPr/>
+          <a:lstStyle/>
+          <a:p>
+            <a:r>
+              <a:rPr lang="en-GB" dirty="0" err="1"/>
+              <a:t>Codestelle</a:t>
+            </a:r>
+            <a:r>
+              <a:rPr lang="en-GB" dirty="0"/>
+              <a:t> Mo</a:t>
+            </a:r>
+          </a:p>
+        </p:txBody>
+      </p:sp>
+      <p:sp>
+        <p:nvSpPr>
+          <p:cNvPr id="3" name="Inhaltsplatzhalter 2">
+            <a:extLst>
+              <a:ext uri="{FF2B5EF4-FFF2-40B4-BE49-F238E27FC236}">
+                <a16:creationId xmlns:a16="http://schemas.microsoft.com/office/drawing/2014/main" id="{73AEBB84-9BE6-A301-013E-1D08DDCEA747}"/>
+              </a:ext>
+            </a:extLst>
+          </p:cNvPr>
+          <p:cNvSpPr>
+            <a:spLocks noGrp="1"/>
+          </p:cNvSpPr>
+          <p:nvPr>
+            <p:ph idx="1"/>
+          </p:nvPr>
+        </p:nvSpPr>
+        <p:spPr/>
+        <p:txBody>
+          <a:bodyPr/>
+          <a:lstStyle/>
+          <a:p>
+            <a:endParaRPr lang="en-GB"/>
+          </a:p>
+        </p:txBody>
+      </p:sp>
+    </p:spTree>
+    <p:extLst>
+      <p:ext uri="{BB962C8B-B14F-4D97-AF65-F5344CB8AC3E}">
+        <p14:creationId xmlns:p14="http://schemas.microsoft.com/office/powerpoint/2010/main" val="2279747510"/>
+      </p:ext>
+    </p:extLst>
+  </p:cSld>
+  <p:clrMapOvr>
+    <a:masterClrMapping/>
+  </p:clrMapOvr>
+</p:sld>
+</file>
+
 <file path=ppt/slides/slide2.xml><?xml version="1.0" encoding="utf-8"?>
 <p:sld xmlns:a="http://schemas.openxmlformats.org/drawingml/2006/main" xmlns:r="http://schemas.openxmlformats.org/officeDocument/2006/relationships" xmlns:p="http://schemas.openxmlformats.org/presentationml/2006/main">
   <p:cSld>
@@ -8491,7 +9302,7 @@
         </p:nvSpPr>
         <p:spPr>
           <a:xfrm>
-            <a:off x="-6804837" y="615208"/>
+            <a:off x="-5699051" y="593421"/>
             <a:ext cx="6804837" cy="646331"/>
           </a:xfrm>
           <a:prstGeom prst="rect">
@@ -8578,7 +9389,7 @@
           <a:p>
             <a:r>
               <a:rPr lang="de-DE" sz="3600" b="1" dirty="0"/>
-              <a:t>Aufgabenteilung</a:t>
+              <a:t>Aufgabenteilung - Frontend</a:t>
             </a:r>
           </a:p>
         </p:txBody>
@@ -8627,8 +9438,8 @@
         </p:blipFill>
         <p:spPr>
           <a:xfrm flipH="1">
-            <a:off x="5943600" y="0"/>
-            <a:ext cx="6249600" cy="6858000"/>
+            <a:off x="6772940" y="0"/>
+            <a:ext cx="5482777" cy="6858000"/>
           </a:xfrm>
           <a:prstGeom prst="rect">
             <a:avLst/>
@@ -8643,8 +9454,8 @@
         </p:nvSpPr>
         <p:spPr>
           <a:xfrm>
-            <a:off x="1518394" y="1408385"/>
-            <a:ext cx="9186041" cy="4967265"/>
+            <a:off x="1525208" y="2651917"/>
+            <a:ext cx="9186041" cy="2808618"/>
           </a:xfrm>
           <a:prstGeom prst="rect">
             <a:avLst/>
@@ -8875,14 +9686,14 @@
           <p:nvPr>
             <p:extLst>
               <p:ext uri="{D42A27DB-BD31-4B8C-83A1-F6EECF244321}">
-                <p14:modId xmlns:p14="http://schemas.microsoft.com/office/powerpoint/2010/main" val="727315883"/>
+                <p14:modId xmlns:p14="http://schemas.microsoft.com/office/powerpoint/2010/main" val="2042498698"/>
               </p:ext>
             </p:extLst>
           </p:nvPr>
         </p:nvGraphicFramePr>
         <p:xfrm>
-          <a:off x="1538676" y="1401707"/>
-          <a:ext cx="9134930" cy="4982238"/>
+          <a:off x="1538676" y="2651917"/>
+          <a:ext cx="9134930" cy="2808618"/>
         </p:xfrm>
         <a:graphic>
           <a:graphicData uri="http://schemas.openxmlformats.org/drawingml/2006/table">
@@ -8936,132 +9747,6 @@
                 <a:extLst>
                   <a:ext uri="{0D108BD9-81ED-4DB2-BD59-A6C34878D82A}">
                     <a16:rowId xmlns:a16="http://schemas.microsoft.com/office/drawing/2014/main" val="749707816"/>
-                  </a:ext>
-                </a:extLst>
-              </a:tr>
-              <a:tr h="1123259">
-                <a:tc>
-                  <a:txBody>
-                    <a:bodyPr/>
-                    <a:lstStyle/>
-                    <a:p>
-                      <a:r>
-                        <a:rPr lang="de-DE" dirty="0"/>
-                        <a:t>Maurice</a:t>
-                      </a:r>
-                    </a:p>
-                  </a:txBody>
-                  <a:tcPr/>
-                </a:tc>
-                <a:tc>
-                  <a:txBody>
-                    <a:bodyPr/>
-                    <a:lstStyle/>
-                    <a:p>
-                      <a:r>
-                        <a:rPr lang="de-DE" sz="1600" dirty="0"/>
-                        <a:t>Auswahl von geeigneten </a:t>
-                      </a:r>
-                      <a:r>
-                        <a:rPr lang="de-DE" sz="1600" dirty="0" err="1"/>
-                        <a:t>Application</a:t>
-                      </a:r>
-                      <a:r>
-                        <a:rPr lang="de-DE" sz="1600" dirty="0"/>
-                        <a:t> </a:t>
-                      </a:r>
-                      <a:r>
-                        <a:rPr lang="de-DE" sz="1600" dirty="0" err="1"/>
-                        <a:t>Programming</a:t>
-                      </a:r>
-                      <a:r>
-                        <a:rPr lang="de-DE" sz="1600" dirty="0"/>
-                        <a:t> Interfaces | </a:t>
-                      </a:r>
-                    </a:p>
-                    <a:p>
-                      <a:r>
-                        <a:rPr lang="de-DE" sz="1600" dirty="0"/>
-                        <a:t>Entwicklung der Datenbankanbindung, der API-Anbindung, der Cities-, </a:t>
-                      </a:r>
-                      <a:r>
-                        <a:rPr lang="de-DE" sz="1600" dirty="0" err="1"/>
-                        <a:t>GeoLocator</a:t>
-                      </a:r>
-                      <a:r>
-                        <a:rPr lang="de-DE" sz="1600" dirty="0"/>
-                        <a:t>-, </a:t>
-                      </a:r>
-                      <a:r>
-                        <a:rPr lang="de-DE" sz="1600" dirty="0" err="1"/>
-                        <a:t>Weather</a:t>
-                      </a:r>
-                      <a:r>
-                        <a:rPr lang="de-DE" sz="1600" dirty="0"/>
-                        <a:t>-Klasse, des Hauptprogramms</a:t>
-                      </a:r>
-                    </a:p>
-                  </a:txBody>
-                  <a:tcPr/>
-                </a:tc>
-                <a:extLst>
-                  <a:ext uri="{0D108BD9-81ED-4DB2-BD59-A6C34878D82A}">
-                    <a16:rowId xmlns:a16="http://schemas.microsoft.com/office/drawing/2014/main" val="1350014116"/>
-                  </a:ext>
-                </a:extLst>
-              </a:tr>
-              <a:tr h="1050361">
-                <a:tc>
-                  <a:txBody>
-                    <a:bodyPr/>
-                    <a:lstStyle/>
-                    <a:p>
-                      <a:r>
-                        <a:rPr lang="de-DE" dirty="0"/>
-                        <a:t>Hesham</a:t>
-                      </a:r>
-                    </a:p>
-                  </a:txBody>
-                  <a:tcPr/>
-                </a:tc>
-                <a:tc>
-                  <a:txBody>
-                    <a:bodyPr/>
-                    <a:lstStyle/>
-                    <a:p>
-                      <a:r>
-                        <a:rPr lang="de-DE" sz="1600" dirty="0"/>
-                        <a:t>Auswahl von geeigneten </a:t>
-                      </a:r>
-                      <a:r>
-                        <a:rPr lang="de-DE" sz="1600" dirty="0" err="1"/>
-                        <a:t>Application</a:t>
-                      </a:r>
-                      <a:r>
-                        <a:rPr lang="de-DE" sz="1600" dirty="0"/>
-                        <a:t> </a:t>
-                      </a:r>
-                      <a:r>
-                        <a:rPr lang="de-DE" sz="1600" dirty="0" err="1"/>
-                        <a:t>Programming</a:t>
-                      </a:r>
-                      <a:r>
-                        <a:rPr lang="de-DE" sz="1600" dirty="0"/>
-                        <a:t> Interfaces | </a:t>
-                      </a:r>
-                    </a:p>
-                    <a:p>
-                      <a:r>
-                        <a:rPr lang="de-DE" sz="1600" dirty="0"/>
-                        <a:t>Entwicklung der Datenbankanbindung, der API-Anbindung, des Hauptprogramms | Auswahl und Konvertierung der Datenbank</a:t>
-                      </a:r>
-                    </a:p>
-                  </a:txBody>
-                  <a:tcPr/>
-                </a:tc>
-                <a:extLst>
-                  <a:ext uri="{0D108BD9-81ED-4DB2-BD59-A6C34878D82A}">
-                    <a16:rowId xmlns:a16="http://schemas.microsoft.com/office/drawing/2014/main" val="4014315452"/>
                   </a:ext>
                 </a:extLst>
               </a:tr>
@@ -9244,87 +9929,15 @@
           <a:chExt cx="0" cy="0"/>
         </a:xfrm>
       </p:grpSpPr>
-      <p:graphicFrame>
-        <p:nvGraphicFramePr>
-          <p:cNvPr id="2" name="Objekt 1" hidden="1">
-            <a:extLst>
-              <a:ext uri="{FF2B5EF4-FFF2-40B4-BE49-F238E27FC236}">
-                <a16:creationId xmlns:a16="http://schemas.microsoft.com/office/drawing/2014/main" id="{B6009162-A553-9538-C5A2-79F0D3F53303}"/>
-              </a:ext>
-            </a:extLst>
-          </p:cNvPr>
-          <p:cNvGraphicFramePr>
-            <a:graphicFrameLocks noChangeAspect="1"/>
-          </p:cNvGraphicFramePr>
-          <p:nvPr>
-            <p:custDataLst>
-              <p:tags r:id="rId2"/>
-            </p:custDataLst>
-            <p:extLst>
-              <p:ext uri="{D42A27DB-BD31-4B8C-83A1-F6EECF244321}">
-                <p14:modId xmlns:p14="http://schemas.microsoft.com/office/powerpoint/2010/main" val="638885818"/>
-              </p:ext>
-            </p:extLst>
-          </p:nvPr>
-        </p:nvGraphicFramePr>
-        <p:xfrm>
-          <a:off x="1588" y="1588"/>
-          <a:ext cx="1588" cy="1588"/>
-        </p:xfrm>
-        <a:graphic>
-          <a:graphicData uri="http://schemas.openxmlformats.org/presentationml/2006/ole">
-            <mc:AlternateContent xmlns:mc="http://schemas.openxmlformats.org/markup-compatibility/2006">
-              <mc:Choice xmlns:v="urn:schemas-microsoft-com:vml" Requires="v">
-                <p:oleObj spid="_x0000_s2052" name="think-cell Folie" r:id="rId4" imgW="395" imgH="394" progId="TCLayout.ActiveDocument.1">
-                  <p:embed/>
-                </p:oleObj>
-              </mc:Choice>
-              <mc:Fallback>
-                <p:oleObj name="think-cell Folie" r:id="rId4" imgW="395" imgH="394" progId="TCLayout.ActiveDocument.1">
-                  <p:embed/>
-                  <p:pic>
-                    <p:nvPicPr>
-                      <p:cNvPr id="0" name=""/>
-                      <p:cNvPicPr/>
-                      <p:nvPr/>
-                    </p:nvPicPr>
-                    <p:blipFill>
-                      <a:blip r:embed="rId5"/>
-                      <a:stretch>
-                        <a:fillRect/>
-                      </a:stretch>
-                    </p:blipFill>
-                    <p:spPr>
-                      <a:xfrm>
-                        <a:off x="1588" y="1588"/>
-                        <a:ext cx="1588" cy="1588"/>
-                      </a:xfrm>
-                      <a:prstGeom prst="rect">
-                        <a:avLst/>
-                      </a:prstGeom>
-                    </p:spPr>
-                  </p:pic>
-                </p:oleObj>
-              </mc:Fallback>
-            </mc:AlternateContent>
-          </a:graphicData>
-        </a:graphic>
-      </p:graphicFrame>
-      <p:sp>
-        <p:nvSpPr>
-          <p:cNvPr id="4" name="Textfeld 3">
-            <a:extLst>
-              <a:ext uri="{FF2B5EF4-FFF2-40B4-BE49-F238E27FC236}">
-                <a16:creationId xmlns:a16="http://schemas.microsoft.com/office/drawing/2014/main" id="{6DD55A11-D9DF-6E7C-777F-8232AE15F8A4}"/>
-              </a:ext>
-            </a:extLst>
-          </p:cNvPr>
+      <p:sp>
+        <p:nvSpPr>
+          <p:cNvPr id="16" name="Textfeld 15"/>
           <p:cNvSpPr txBox="1"/>
           <p:nvPr/>
         </p:nvSpPr>
         <p:spPr>
           <a:xfrm>
-            <a:off x="217475" y="615208"/>
+            <a:off x="217476" y="598268"/>
             <a:ext cx="6804837" cy="646331"/>
           </a:xfrm>
           <a:prstGeom prst="rect">
@@ -9340,20 +9953,20 @@
           <a:p>
             <a:r>
               <a:rPr lang="de-DE" sz="3600" b="1" dirty="0"/>
-              <a:t>Ausarbeitung</a:t>
-            </a:r>
-          </a:p>
-        </p:txBody>
-      </p:sp>
-      <p:sp>
-        <p:nvSpPr>
-          <p:cNvPr id="16" name="Textfeld 15"/>
+              <a:t>Aufgabenteilung – Backend</a:t>
+            </a:r>
+          </a:p>
+        </p:txBody>
+      </p:sp>
+      <p:sp>
+        <p:nvSpPr>
+          <p:cNvPr id="8" name="Textfeld 7"/>
           <p:cNvSpPr txBox="1"/>
           <p:nvPr/>
         </p:nvSpPr>
         <p:spPr>
           <a:xfrm>
-            <a:off x="-6803464" y="615208"/>
+            <a:off x="-6806302" y="598268"/>
             <a:ext cx="6804837" cy="646331"/>
           </a:xfrm>
           <a:prstGeom prst="rect">
@@ -9369,7 +9982,7 @@
           <a:p>
             <a:r>
               <a:rPr lang="de-DE" sz="3600" b="1" dirty="0"/>
-              <a:t>Aufgabenteilung</a:t>
+              <a:t>Projektplanung</a:t>
             </a:r>
           </a:p>
         </p:txBody>
@@ -9383,63 +9996,20 @@
           <p:nvPr/>
         </p:nvPicPr>
         <p:blipFill rotWithShape="1">
-          <a:blip r:embed="rId6"/>
+          <a:blip r:embed="rId2"/>
           <a:srcRect t="235" r="48745"/>
           <a:stretch/>
         </p:blipFill>
         <p:spPr>
           <a:xfrm flipH="1">
-            <a:off x="5943600" y="0"/>
-            <a:ext cx="6249600" cy="6858000"/>
+            <a:off x="10186736" y="-1528"/>
+            <a:ext cx="2006463" cy="6858000"/>
           </a:xfrm>
           <a:prstGeom prst="rect">
             <a:avLst/>
           </a:prstGeom>
         </p:spPr>
       </p:pic>
-      <p:sp>
-        <p:nvSpPr>
-          <p:cNvPr id="6" name="Rechteck 5"/>
-          <p:cNvSpPr/>
-          <p:nvPr/>
-        </p:nvSpPr>
-        <p:spPr>
-          <a:xfrm>
-            <a:off x="1518394" y="1408385"/>
-            <a:ext cx="9186041" cy="4967265"/>
-          </a:xfrm>
-          <a:prstGeom prst="rect">
-            <a:avLst/>
-          </a:prstGeom>
-          <a:solidFill>
-            <a:srgbClr val="0099FF"/>
-          </a:solidFill>
-        </p:spPr>
-        <p:style>
-          <a:lnRef idx="2">
-            <a:schemeClr val="accent1">
-              <a:shade val="50000"/>
-            </a:schemeClr>
-          </a:lnRef>
-          <a:fillRef idx="1">
-            <a:schemeClr val="accent1"/>
-          </a:fillRef>
-          <a:effectRef idx="0">
-            <a:schemeClr val="accent1"/>
-          </a:effectRef>
-          <a:fontRef idx="minor">
-            <a:schemeClr val="lt1"/>
-          </a:fontRef>
-        </p:style>
-        <p:txBody>
-          <a:bodyPr rtlCol="0" anchor="ctr"/>
-          <a:lstStyle/>
-          <a:p>
-            <a:pPr algn="ctr"/>
-            <a:endParaRPr lang="de-DE"/>
-          </a:p>
-        </p:txBody>
-      </p:sp>
       <p:sp>
         <p:nvSpPr>
           <p:cNvPr id="10" name="Textfeld 9"/>
@@ -9493,7 +10063,7 @@
           <p:nvPr/>
         </p:nvPicPr>
         <p:blipFill>
-          <a:blip r:embed="rId7" cstate="print">
+          <a:blip r:embed="rId3" cstate="print">
             <a:lum bright="70000" contrast="-70000"/>
             <a:extLst>
               <a:ext uri="{28A0092B-C50C-407E-A947-70E740481C1C}">
@@ -9589,10 +10159,10 @@
       </p:sp>
       <p:sp>
         <p:nvSpPr>
-          <p:cNvPr id="3" name="Textfeld 2">
+          <p:cNvPr id="4" name="Textfeld 3">
             <a:extLst>
               <a:ext uri="{FF2B5EF4-FFF2-40B4-BE49-F238E27FC236}">
-                <a16:creationId xmlns:a16="http://schemas.microsoft.com/office/drawing/2014/main" id="{081795DA-0283-31A0-14CF-E68AC84AC7B2}"/>
+                <a16:creationId xmlns:a16="http://schemas.microsoft.com/office/drawing/2014/main" id="{6DD55A11-D9DF-6E7C-777F-8232AE15F8A4}"/>
               </a:ext>
             </a:extLst>
           </p:cNvPr>
@@ -9601,7 +10171,7 @@
         </p:nvSpPr>
         <p:spPr>
           <a:xfrm>
-            <a:off x="-6803464" y="615208"/>
+            <a:off x="-6804837" y="598268"/>
             <a:ext cx="6804837" cy="646331"/>
           </a:xfrm>
           <a:prstGeom prst="rect">
@@ -9617,17 +10187,105 @@
           <a:p>
             <a:r>
               <a:rPr lang="de-DE" sz="3600" b="1" dirty="0"/>
-              <a:t>Ergebnis</a:t>
-            </a:r>
-          </a:p>
-        </p:txBody>
-      </p:sp>
-      <p:sp>
-        <p:nvSpPr>
-          <p:cNvPr id="12" name="Textfeld 11">
+              <a:t>Ausarbeitung</a:t>
+            </a:r>
+          </a:p>
+        </p:txBody>
+      </p:sp>
+      <p:pic>
+        <p:nvPicPr>
+          <p:cNvPr id="2" name="Grafik 1">
             <a:extLst>
               <a:ext uri="{FF2B5EF4-FFF2-40B4-BE49-F238E27FC236}">
-                <a16:creationId xmlns:a16="http://schemas.microsoft.com/office/drawing/2014/main" id="{C20442CD-0CBE-833C-F737-86146A360836}"/>
+                <a16:creationId xmlns:a16="http://schemas.microsoft.com/office/drawing/2014/main" id="{CCDAF475-06DC-9B20-380F-1A337DAC3406}"/>
+              </a:ext>
+            </a:extLst>
+          </p:cNvPr>
+          <p:cNvPicPr>
+            <a:picLocks noChangeAspect="1"/>
+          </p:cNvPicPr>
+          <p:nvPr/>
+        </p:nvPicPr>
+        <p:blipFill rotWithShape="1">
+          <a:blip r:embed="rId4" cstate="print">
+            <a:extLst>
+              <a:ext uri="{28A0092B-C50C-407E-A947-70E740481C1C}">
+                <a14:useLocalDpi xmlns:a14="http://schemas.microsoft.com/office/drawing/2010/main" val="0"/>
+              </a:ext>
+            </a:extLst>
+          </a:blip>
+          <a:srcRect l="4723" r="4723" b="13157"/>
+          <a:stretch/>
+        </p:blipFill>
+        <p:spPr bwMode="auto">
+          <a:xfrm>
+            <a:off x="757062" y="1410177"/>
+            <a:ext cx="1677713" cy="2149543"/>
+          </a:xfrm>
+          <a:prstGeom prst="rect">
+            <a:avLst/>
+          </a:prstGeom>
+          <a:noFill/>
+          <a:ln>
+            <a:noFill/>
+          </a:ln>
+          <a:extLst>
+            <a:ext uri="{53640926-AAD7-44D8-BBD7-CCE9431645EC}">
+              <a14:shadowObscured xmlns:a14="http://schemas.microsoft.com/office/drawing/2010/main"/>
+            </a:ext>
+          </a:extLst>
+        </p:spPr>
+      </p:pic>
+      <p:pic>
+        <p:nvPicPr>
+          <p:cNvPr id="3" name="Grafik 2">
+            <a:extLst>
+              <a:ext uri="{FF2B5EF4-FFF2-40B4-BE49-F238E27FC236}">
+                <a16:creationId xmlns:a16="http://schemas.microsoft.com/office/drawing/2014/main" id="{A3CC5A0F-EB69-72B8-4CB2-AEEBAAF7E583}"/>
+              </a:ext>
+            </a:extLst>
+          </p:cNvPr>
+          <p:cNvPicPr>
+            <a:picLocks noChangeAspect="1"/>
+          </p:cNvPicPr>
+          <p:nvPr/>
+        </p:nvPicPr>
+        <p:blipFill>
+          <a:blip r:embed="rId5" cstate="print">
+            <a:extLst>
+              <a:ext uri="{28A0092B-C50C-407E-A947-70E740481C1C}">
+                <a14:useLocalDpi xmlns:a14="http://schemas.microsoft.com/office/drawing/2010/main" val="0"/>
+              </a:ext>
+            </a:extLst>
+          </a:blip>
+          <a:srcRect t="2103" b="2103"/>
+          <a:stretch/>
+        </p:blipFill>
+        <p:spPr bwMode="auto">
+          <a:xfrm>
+            <a:off x="767774" y="4040471"/>
+            <a:ext cx="1677714" cy="2219261"/>
+          </a:xfrm>
+          <a:prstGeom prst="rect">
+            <a:avLst/>
+          </a:prstGeom>
+          <a:noFill/>
+          <a:ln>
+            <a:noFill/>
+          </a:ln>
+          <a:extLst>
+            <a:ext uri="{53640926-AAD7-44D8-BBD7-CCE9431645EC}">
+              <a14:shadowObscured xmlns:a14="http://schemas.microsoft.com/office/drawing/2010/main"/>
+            </a:ext>
+          </a:extLst>
+        </p:spPr>
+      </p:pic>
+      <p:sp>
+        <p:nvSpPr>
+          <p:cNvPr id="12" name="Textfeld 19">
+            <a:extLst>
+              <a:ext uri="{FF2B5EF4-FFF2-40B4-BE49-F238E27FC236}">
+                <a16:creationId xmlns:a16="http://schemas.microsoft.com/office/drawing/2014/main" id="{505AD024-0DBD-FA78-3696-FA16A20513F3}"/>
               </a:ext>
             </a:extLst>
           </p:cNvPr>
@@ -9636,23 +10294,437 @@
         </p:nvSpPr>
         <p:spPr>
           <a:xfrm>
-            <a:off x="1754372" y="1775637"/>
-            <a:ext cx="8293395" cy="369332"/>
+            <a:off x="2795209" y="4185413"/>
+            <a:ext cx="9145154" cy="2277523"/>
           </a:xfrm>
           <a:prstGeom prst="rect">
             <a:avLst/>
           </a:prstGeom>
           <a:noFill/>
-        </p:spPr>
-        <p:txBody>
-          <a:bodyPr wrap="square" rtlCol="0">
-            <a:spAutoFit/>
-          </a:bodyPr>
-          <a:lstStyle/>
-          <a:p>
-            <a:r>
-              <a:rPr lang="de-DE" dirty="0"/>
-              <a:t>Git.merve.com</a:t>
+          <a:ln w="6350">
+            <a:noFill/>
+          </a:ln>
+        </p:spPr>
+        <p:txBody>
+          <a:bodyPr rot="0" spcFirstLastPara="0" vert="horz" wrap="square" lIns="91440" tIns="45720" rIns="91440" bIns="45720" numCol="1" spcCol="0" rtlCol="0" fromWordArt="0" anchor="t" anchorCtr="0" forceAA="0" compatLnSpc="1">
+            <a:prstTxWarp prst="textNoShape">
+              <a:avLst/>
+            </a:prstTxWarp>
+            <a:noAutofit/>
+          </a:bodyPr>
+          <a:lstStyle/>
+          <a:p>
+            <a:pPr>
+              <a:lnSpc>
+                <a:spcPct val="115000"/>
+              </a:lnSpc>
+              <a:spcAft>
+                <a:spcPts val="1000"/>
+              </a:spcAft>
+            </a:pPr>
+            <a:r>
+              <a:rPr lang="de-DE" b="1" dirty="0">
+                <a:latin typeface="Times New Roman" panose="02020603050405020304" pitchFamily="18" charset="0"/>
+                <a:cs typeface="Times New Roman" panose="02020603050405020304" pitchFamily="18" charset="0"/>
+              </a:rPr>
+              <a:t>Maurice Hofmann</a:t>
+            </a:r>
+            <a:br>
+              <a:rPr lang="de-DE" sz="1400" b="1" dirty="0">
+                <a:effectLst/>
+                <a:latin typeface="Times New Roman" panose="02020603050405020304" pitchFamily="18" charset="0"/>
+                <a:ea typeface="Times New Roman" panose="02020603050405020304" pitchFamily="18" charset="0"/>
+                <a:cs typeface="Times New Roman" panose="02020603050405020304" pitchFamily="18" charset="0"/>
+              </a:rPr>
+            </a:br>
+            <a:r>
+              <a:rPr lang="de-DE" sz="1200" i="1" dirty="0">
+                <a:latin typeface="Times New Roman" panose="02020603050405020304" pitchFamily="18" charset="0"/>
+                <a:cs typeface="Times New Roman" panose="02020603050405020304" pitchFamily="18" charset="0"/>
+              </a:rPr>
+              <a:t>Backend Developer</a:t>
+            </a:r>
+            <a:br>
+              <a:rPr lang="de-DE" sz="1200" i="1" dirty="0">
+                <a:effectLst/>
+                <a:latin typeface="Times New Roman" panose="02020603050405020304" pitchFamily="18" charset="0"/>
+                <a:ea typeface="Times New Roman" panose="02020603050405020304" pitchFamily="18" charset="0"/>
+                <a:cs typeface="Times New Roman" panose="02020603050405020304" pitchFamily="18" charset="0"/>
+              </a:rPr>
+            </a:br>
+            <a:br>
+              <a:rPr lang="de-DE" sz="1000" dirty="0">
+                <a:effectLst/>
+                <a:latin typeface="Times New Roman" panose="02020603050405020304" pitchFamily="18" charset="0"/>
+                <a:ea typeface="Times New Roman" panose="02020603050405020304" pitchFamily="18" charset="0"/>
+                <a:cs typeface="Times New Roman" panose="02020603050405020304" pitchFamily="18" charset="0"/>
+              </a:rPr>
+            </a:br>
+            <a:r>
+              <a:rPr lang="de-DE" sz="1400" dirty="0">
+                <a:latin typeface="Times New Roman" panose="02020603050405020304" pitchFamily="18" charset="0"/>
+                <a:cs typeface="Times New Roman" panose="02020603050405020304" pitchFamily="18" charset="0"/>
+              </a:rPr>
+              <a:t>Auswahl und Testen von geeigneten „</a:t>
+            </a:r>
+            <a:r>
+              <a:rPr lang="de-DE" sz="1400" dirty="0" err="1">
+                <a:latin typeface="Times New Roman" panose="02020603050405020304" pitchFamily="18" charset="0"/>
+                <a:cs typeface="Times New Roman" panose="02020603050405020304" pitchFamily="18" charset="0"/>
+              </a:rPr>
+              <a:t>Weather</a:t>
+            </a:r>
+            <a:r>
+              <a:rPr lang="de-DE" sz="1400" dirty="0">
+                <a:latin typeface="Times New Roman" panose="02020603050405020304" pitchFamily="18" charset="0"/>
+                <a:cs typeface="Times New Roman" panose="02020603050405020304" pitchFamily="18" charset="0"/>
+              </a:rPr>
+              <a:t>“ und „Location“-APIs</a:t>
+            </a:r>
+            <a:br>
+              <a:rPr lang="de-DE" sz="1400" dirty="0">
+                <a:latin typeface="Times New Roman" panose="02020603050405020304" pitchFamily="18" charset="0"/>
+                <a:cs typeface="Times New Roman" panose="02020603050405020304" pitchFamily="18" charset="0"/>
+              </a:rPr>
+            </a:br>
+            <a:r>
+              <a:rPr lang="de-DE" sz="1400" dirty="0">
+                <a:latin typeface="Times New Roman" panose="02020603050405020304" pitchFamily="18" charset="0"/>
+                <a:cs typeface="Times New Roman" panose="02020603050405020304" pitchFamily="18" charset="0"/>
+              </a:rPr>
+              <a:t>Entwicklung der Demo-</a:t>
+            </a:r>
+            <a:r>
+              <a:rPr lang="de-DE" sz="1400" dirty="0" err="1">
+                <a:latin typeface="Times New Roman" panose="02020603050405020304" pitchFamily="18" charset="0"/>
+                <a:cs typeface="Times New Roman" panose="02020603050405020304" pitchFamily="18" charset="0"/>
+              </a:rPr>
+              <a:t>Weather</a:t>
+            </a:r>
+            <a:r>
+              <a:rPr lang="de-DE" sz="1400" dirty="0">
+                <a:latin typeface="Times New Roman" panose="02020603050405020304" pitchFamily="18" charset="0"/>
+                <a:cs typeface="Times New Roman" panose="02020603050405020304" pitchFamily="18" charset="0"/>
+              </a:rPr>
+              <a:t>-App (V1.2)</a:t>
+            </a:r>
+            <a:br>
+              <a:rPr lang="de-DE" sz="1400" dirty="0">
+                <a:latin typeface="Times New Roman" panose="02020603050405020304" pitchFamily="18" charset="0"/>
+                <a:cs typeface="Times New Roman" panose="02020603050405020304" pitchFamily="18" charset="0"/>
+              </a:rPr>
+            </a:br>
+            <a:r>
+              <a:rPr lang="de-DE" sz="1400" dirty="0">
+                <a:latin typeface="Times New Roman" panose="02020603050405020304" pitchFamily="18" charset="0"/>
+                <a:cs typeface="Times New Roman" panose="02020603050405020304" pitchFamily="18" charset="0"/>
+              </a:rPr>
+              <a:t>Entwicklung der „Search City“ – und „</a:t>
+            </a:r>
+            <a:r>
+              <a:rPr lang="de-DE" sz="1400" dirty="0" err="1">
+                <a:latin typeface="Times New Roman" panose="02020603050405020304" pitchFamily="18" charset="0"/>
+                <a:cs typeface="Times New Roman" panose="02020603050405020304" pitchFamily="18" charset="0"/>
+              </a:rPr>
+              <a:t>Locate</a:t>
+            </a:r>
+            <a:r>
+              <a:rPr lang="de-DE" sz="1400" dirty="0">
+                <a:latin typeface="Times New Roman" panose="02020603050405020304" pitchFamily="18" charset="0"/>
+                <a:cs typeface="Times New Roman" panose="02020603050405020304" pitchFamily="18" charset="0"/>
+              </a:rPr>
+              <a:t> Me“-</a:t>
+            </a:r>
+            <a:r>
+              <a:rPr lang="de-DE" sz="1400" dirty="0" err="1">
+                <a:latin typeface="Times New Roman" panose="02020603050405020304" pitchFamily="18" charset="0"/>
+                <a:cs typeface="Times New Roman" panose="02020603050405020304" pitchFamily="18" charset="0"/>
+              </a:rPr>
+              <a:t>Alorithmen</a:t>
+            </a:r>
+            <a:br>
+              <a:rPr lang="de-DE" sz="1400" dirty="0">
+                <a:latin typeface="Times New Roman" panose="02020603050405020304" pitchFamily="18" charset="0"/>
+                <a:cs typeface="Times New Roman" panose="02020603050405020304" pitchFamily="18" charset="0"/>
+              </a:rPr>
+            </a:br>
+            <a:r>
+              <a:rPr lang="de-DE" sz="1400" dirty="0">
+                <a:latin typeface="Times New Roman" panose="02020603050405020304" pitchFamily="18" charset="0"/>
+                <a:cs typeface="Times New Roman" panose="02020603050405020304" pitchFamily="18" charset="0"/>
+              </a:rPr>
+              <a:t>Entwicklung der Datenbankanbindung </a:t>
+            </a:r>
+            <a:br>
+              <a:rPr lang="de-DE" sz="1400" dirty="0">
+                <a:latin typeface="Times New Roman" panose="02020603050405020304" pitchFamily="18" charset="0"/>
+                <a:cs typeface="Times New Roman" panose="02020603050405020304" pitchFamily="18" charset="0"/>
+              </a:rPr>
+            </a:br>
+            <a:r>
+              <a:rPr lang="de-DE" sz="1400" dirty="0">
+                <a:latin typeface="Times New Roman" panose="02020603050405020304" pitchFamily="18" charset="0"/>
+                <a:cs typeface="Times New Roman" panose="02020603050405020304" pitchFamily="18" charset="0"/>
+              </a:rPr>
+              <a:t>Entwicklung der API-Anbindung</a:t>
+            </a:r>
+            <a:br>
+              <a:rPr lang="de-DE" sz="1400" dirty="0">
+                <a:latin typeface="Times New Roman" panose="02020603050405020304" pitchFamily="18" charset="0"/>
+                <a:cs typeface="Times New Roman" panose="02020603050405020304" pitchFamily="18" charset="0"/>
+              </a:rPr>
+            </a:br>
+            <a:r>
+              <a:rPr lang="de-DE" sz="1400" dirty="0">
+                <a:latin typeface="Times New Roman" panose="02020603050405020304" pitchFamily="18" charset="0"/>
+                <a:cs typeface="Times New Roman" panose="02020603050405020304" pitchFamily="18" charset="0"/>
+              </a:rPr>
+              <a:t>Entwicklung der Cities-, </a:t>
+            </a:r>
+            <a:r>
+              <a:rPr lang="de-DE" sz="1400" dirty="0" err="1">
+                <a:latin typeface="Times New Roman" panose="02020603050405020304" pitchFamily="18" charset="0"/>
+                <a:cs typeface="Times New Roman" panose="02020603050405020304" pitchFamily="18" charset="0"/>
+              </a:rPr>
+              <a:t>GeoLocator</a:t>
+            </a:r>
+            <a:r>
+              <a:rPr lang="de-DE" sz="1400" dirty="0">
+                <a:latin typeface="Times New Roman" panose="02020603050405020304" pitchFamily="18" charset="0"/>
+                <a:cs typeface="Times New Roman" panose="02020603050405020304" pitchFamily="18" charset="0"/>
+              </a:rPr>
+              <a:t>-, </a:t>
+            </a:r>
+            <a:r>
+              <a:rPr lang="de-DE" sz="1400" dirty="0" err="1">
+                <a:latin typeface="Times New Roman" panose="02020603050405020304" pitchFamily="18" charset="0"/>
+                <a:cs typeface="Times New Roman" panose="02020603050405020304" pitchFamily="18" charset="0"/>
+              </a:rPr>
+              <a:t>Weather</a:t>
+            </a:r>
+            <a:r>
+              <a:rPr lang="de-DE" sz="1400" dirty="0">
+                <a:latin typeface="Times New Roman" panose="02020603050405020304" pitchFamily="18" charset="0"/>
+                <a:cs typeface="Times New Roman" panose="02020603050405020304" pitchFamily="18" charset="0"/>
+              </a:rPr>
+              <a:t>-Klasse sowie des Hauptprogramms</a:t>
+            </a:r>
+          </a:p>
+          <a:p>
+            <a:pPr algn="just">
+              <a:lnSpc>
+                <a:spcPct val="115000"/>
+              </a:lnSpc>
+              <a:spcAft>
+                <a:spcPts val="1000"/>
+              </a:spcAft>
+            </a:pPr>
+            <a:r>
+              <a:rPr lang="de-DE" sz="1200" dirty="0">
+                <a:effectLst/>
+                <a:latin typeface="Times New Roman" panose="02020603050405020304" pitchFamily="18" charset="0"/>
+                <a:ea typeface="Times New Roman" panose="02020603050405020304" pitchFamily="18" charset="0"/>
+                <a:cs typeface="Times New Roman" panose="02020603050405020304" pitchFamily="18" charset="0"/>
+              </a:rPr>
+              <a:t> </a:t>
+            </a:r>
+          </a:p>
+        </p:txBody>
+      </p:sp>
+      <p:sp>
+        <p:nvSpPr>
+          <p:cNvPr id="13" name="Textfeld 19">
+            <a:extLst>
+              <a:ext uri="{FF2B5EF4-FFF2-40B4-BE49-F238E27FC236}">
+                <a16:creationId xmlns:a16="http://schemas.microsoft.com/office/drawing/2014/main" id="{29173283-4821-225D-0CD3-15A8FE1C3D2C}"/>
+              </a:ext>
+            </a:extLst>
+          </p:cNvPr>
+          <p:cNvSpPr txBox="1"/>
+          <p:nvPr/>
+        </p:nvSpPr>
+        <p:spPr>
+          <a:xfrm>
+            <a:off x="2795209" y="1420164"/>
+            <a:ext cx="9145154" cy="2504843"/>
+          </a:xfrm>
+          <a:prstGeom prst="rect">
+            <a:avLst/>
+          </a:prstGeom>
+          <a:noFill/>
+          <a:ln w="6350">
+            <a:noFill/>
+          </a:ln>
+        </p:spPr>
+        <p:txBody>
+          <a:bodyPr rot="0" spcFirstLastPara="0" vert="horz" wrap="square" lIns="91440" tIns="45720" rIns="91440" bIns="45720" numCol="1" spcCol="0" rtlCol="0" fromWordArt="0" anchor="t" anchorCtr="0" forceAA="0" compatLnSpc="1">
+            <a:prstTxWarp prst="textNoShape">
+              <a:avLst/>
+            </a:prstTxWarp>
+            <a:noAutofit/>
+          </a:bodyPr>
+          <a:lstStyle/>
+          <a:p>
+            <a:pPr>
+              <a:lnSpc>
+                <a:spcPct val="115000"/>
+              </a:lnSpc>
+              <a:spcAft>
+                <a:spcPts val="1000"/>
+              </a:spcAft>
+            </a:pPr>
+            <a:r>
+              <a:rPr lang="de-DE" b="1" dirty="0">
+                <a:latin typeface="Times New Roman" panose="02020603050405020304" pitchFamily="18" charset="0"/>
+                <a:cs typeface="Times New Roman" panose="02020603050405020304" pitchFamily="18" charset="0"/>
+              </a:rPr>
+              <a:t>Hesham Mohamed </a:t>
+            </a:r>
+            <a:r>
+              <a:rPr lang="de-DE" b="1" dirty="0" err="1">
+                <a:latin typeface="Times New Roman" panose="02020603050405020304" pitchFamily="18" charset="0"/>
+                <a:cs typeface="Times New Roman" panose="02020603050405020304" pitchFamily="18" charset="0"/>
+              </a:rPr>
+              <a:t>Awadalla</a:t>
+            </a:r>
+            <a:r>
+              <a:rPr lang="de-DE" b="1" dirty="0">
+                <a:latin typeface="Times New Roman" panose="02020603050405020304" pitchFamily="18" charset="0"/>
+                <a:cs typeface="Times New Roman" panose="02020603050405020304" pitchFamily="18" charset="0"/>
+              </a:rPr>
+              <a:t> Osman</a:t>
+            </a:r>
+            <a:br>
+              <a:rPr lang="de-DE" sz="1400" b="1" dirty="0">
+                <a:effectLst/>
+                <a:latin typeface="Times New Roman" panose="02020603050405020304" pitchFamily="18" charset="0"/>
+                <a:ea typeface="Times New Roman" panose="02020603050405020304" pitchFamily="18" charset="0"/>
+                <a:cs typeface="Times New Roman" panose="02020603050405020304" pitchFamily="18" charset="0"/>
+              </a:rPr>
+            </a:br>
+            <a:r>
+              <a:rPr lang="de-DE" sz="1200" i="1" dirty="0">
+                <a:latin typeface="Times New Roman" panose="02020603050405020304" pitchFamily="18" charset="0"/>
+                <a:cs typeface="Times New Roman" panose="02020603050405020304" pitchFamily="18" charset="0"/>
+              </a:rPr>
+              <a:t>Backend Developer</a:t>
+            </a:r>
+            <a:br>
+              <a:rPr lang="de-DE" sz="1200" i="1" dirty="0">
+                <a:effectLst/>
+                <a:latin typeface="Times New Roman" panose="02020603050405020304" pitchFamily="18" charset="0"/>
+                <a:ea typeface="Times New Roman" panose="02020603050405020304" pitchFamily="18" charset="0"/>
+                <a:cs typeface="Times New Roman" panose="02020603050405020304" pitchFamily="18" charset="0"/>
+              </a:rPr>
+            </a:br>
+            <a:br>
+              <a:rPr lang="de-DE" sz="1000" dirty="0">
+                <a:effectLst/>
+                <a:latin typeface="Times New Roman" panose="02020603050405020304" pitchFamily="18" charset="0"/>
+                <a:ea typeface="Times New Roman" panose="02020603050405020304" pitchFamily="18" charset="0"/>
+                <a:cs typeface="Times New Roman" panose="02020603050405020304" pitchFamily="18" charset="0"/>
+              </a:rPr>
+            </a:br>
+            <a:r>
+              <a:rPr lang="de-DE" sz="1400" dirty="0">
+                <a:latin typeface="Times New Roman" panose="02020603050405020304" pitchFamily="18" charset="0"/>
+                <a:cs typeface="Times New Roman" panose="02020603050405020304" pitchFamily="18" charset="0"/>
+              </a:rPr>
+              <a:t>Auswahl und Testen von geeigneten „</a:t>
+            </a:r>
+            <a:r>
+              <a:rPr lang="de-DE" sz="1400" dirty="0" err="1">
+                <a:latin typeface="Times New Roman" panose="02020603050405020304" pitchFamily="18" charset="0"/>
+                <a:cs typeface="Times New Roman" panose="02020603050405020304" pitchFamily="18" charset="0"/>
+              </a:rPr>
+              <a:t>Weather</a:t>
+            </a:r>
+            <a:r>
+              <a:rPr lang="de-DE" sz="1400" dirty="0">
+                <a:latin typeface="Times New Roman" panose="02020603050405020304" pitchFamily="18" charset="0"/>
+                <a:cs typeface="Times New Roman" panose="02020603050405020304" pitchFamily="18" charset="0"/>
+              </a:rPr>
+              <a:t>“ und „Location“-APIs sowie Auswahl einer „Cities“-Datenbank</a:t>
+            </a:r>
+            <a:br>
+              <a:rPr lang="de-DE" sz="1400" dirty="0">
+                <a:latin typeface="Times New Roman" panose="02020603050405020304" pitchFamily="18" charset="0"/>
+                <a:cs typeface="Times New Roman" panose="02020603050405020304" pitchFamily="18" charset="0"/>
+              </a:rPr>
+            </a:br>
+            <a:r>
+              <a:rPr lang="de-DE" sz="1400" dirty="0">
+                <a:latin typeface="Times New Roman" panose="02020603050405020304" pitchFamily="18" charset="0"/>
+                <a:cs typeface="Times New Roman" panose="02020603050405020304" pitchFamily="18" charset="0"/>
+              </a:rPr>
+              <a:t>Entwicklung der Demo-</a:t>
+            </a:r>
+            <a:r>
+              <a:rPr lang="de-DE" sz="1400" dirty="0" err="1">
+                <a:latin typeface="Times New Roman" panose="02020603050405020304" pitchFamily="18" charset="0"/>
+                <a:cs typeface="Times New Roman" panose="02020603050405020304" pitchFamily="18" charset="0"/>
+              </a:rPr>
+              <a:t>Weather</a:t>
+            </a:r>
+            <a:r>
+              <a:rPr lang="de-DE" sz="1400" dirty="0">
+                <a:latin typeface="Times New Roman" panose="02020603050405020304" pitchFamily="18" charset="0"/>
+                <a:cs typeface="Times New Roman" panose="02020603050405020304" pitchFamily="18" charset="0"/>
+              </a:rPr>
+              <a:t>-App (V1.1) mit der dazugehörigen Datenbankanbindung und API-Anbindungen </a:t>
+            </a:r>
+            <a:br>
+              <a:rPr lang="de-DE" sz="1400" dirty="0">
+                <a:latin typeface="Times New Roman" panose="02020603050405020304" pitchFamily="18" charset="0"/>
+                <a:cs typeface="Times New Roman" panose="02020603050405020304" pitchFamily="18" charset="0"/>
+              </a:rPr>
+            </a:br>
+            <a:r>
+              <a:rPr lang="de-DE" sz="1400" dirty="0">
+                <a:latin typeface="Times New Roman" panose="02020603050405020304" pitchFamily="18" charset="0"/>
+                <a:cs typeface="Times New Roman" panose="02020603050405020304" pitchFamily="18" charset="0"/>
+              </a:rPr>
+              <a:t>Entwicklung der „Search City“- und „</a:t>
+            </a:r>
+            <a:r>
+              <a:rPr lang="de-DE" sz="1400" dirty="0" err="1">
+                <a:latin typeface="Times New Roman" panose="02020603050405020304" pitchFamily="18" charset="0"/>
+                <a:cs typeface="Times New Roman" panose="02020603050405020304" pitchFamily="18" charset="0"/>
+              </a:rPr>
+              <a:t>Locate</a:t>
+            </a:r>
+            <a:r>
+              <a:rPr lang="de-DE" sz="1400" dirty="0">
+                <a:latin typeface="Times New Roman" panose="02020603050405020304" pitchFamily="18" charset="0"/>
+                <a:cs typeface="Times New Roman" panose="02020603050405020304" pitchFamily="18" charset="0"/>
+              </a:rPr>
+              <a:t> Me“-Algorithmen</a:t>
+            </a:r>
+            <a:br>
+              <a:rPr lang="de-DE" sz="1400" dirty="0">
+                <a:latin typeface="Times New Roman" panose="02020603050405020304" pitchFamily="18" charset="0"/>
+                <a:cs typeface="Times New Roman" panose="02020603050405020304" pitchFamily="18" charset="0"/>
+              </a:rPr>
+            </a:br>
+            <a:r>
+              <a:rPr lang="de-DE" sz="1400" dirty="0">
+                <a:latin typeface="Times New Roman" panose="02020603050405020304" pitchFamily="18" charset="0"/>
+                <a:cs typeface="Times New Roman" panose="02020603050405020304" pitchFamily="18" charset="0"/>
+              </a:rPr>
+              <a:t>Anbindung des App-Designs vom Frontend-Team mit dem Backend </a:t>
+            </a:r>
+            <a:br>
+              <a:rPr lang="de-DE" sz="1400" dirty="0">
+                <a:latin typeface="Times New Roman" panose="02020603050405020304" pitchFamily="18" charset="0"/>
+                <a:cs typeface="Times New Roman" panose="02020603050405020304" pitchFamily="18" charset="0"/>
+              </a:rPr>
+            </a:br>
+            <a:r>
+              <a:rPr lang="de-DE" sz="1400" dirty="0">
+                <a:latin typeface="Times New Roman" panose="02020603050405020304" pitchFamily="18" charset="0"/>
+                <a:cs typeface="Times New Roman" panose="02020603050405020304" pitchFamily="18" charset="0"/>
+              </a:rPr>
+              <a:t>Entwicklung einer analogen Uhr zum Anzeigen der Ortszeiten</a:t>
             </a:r>
           </a:p>
         </p:txBody>
@@ -9660,7 +10732,7 @@
     </p:spTree>
     <p:extLst>
       <p:ext uri="{BB962C8B-B14F-4D97-AF65-F5344CB8AC3E}">
-        <p14:creationId xmlns:p14="http://schemas.microsoft.com/office/powerpoint/2010/main" val="53362001"/>
+        <p14:creationId xmlns:p14="http://schemas.microsoft.com/office/powerpoint/2010/main" val="1398067750"/>
       </p:ext>
     </p:extLst>
   </p:cSld>
@@ -9699,93 +10771,15 @@
           <a:chExt cx="0" cy="0"/>
         </a:xfrm>
       </p:grpSpPr>
-      <p:graphicFrame>
-        <p:nvGraphicFramePr>
-          <p:cNvPr id="2" name="Objekt 1" hidden="1">
-            <a:extLst>
-              <a:ext uri="{FF2B5EF4-FFF2-40B4-BE49-F238E27FC236}">
-                <a16:creationId xmlns:a16="http://schemas.microsoft.com/office/drawing/2014/main" id="{B6009162-A553-9538-C5A2-79F0D3F53303}"/>
-              </a:ext>
-            </a:extLst>
-          </p:cNvPr>
-          <p:cNvGraphicFramePr>
-            <a:graphicFrameLocks noChangeAspect="1"/>
-          </p:cNvGraphicFramePr>
-          <p:nvPr>
-            <p:custDataLst>
-              <p:tags r:id="rId2"/>
-            </p:custDataLst>
-            <p:extLst>
-              <p:ext uri="{D42A27DB-BD31-4B8C-83A1-F6EECF244321}">
-                <p14:modId xmlns:p14="http://schemas.microsoft.com/office/powerpoint/2010/main" val="1629610454"/>
-              </p:ext>
-            </p:extLst>
-          </p:nvPr>
-        </p:nvGraphicFramePr>
-        <p:xfrm>
-          <a:off x="1588" y="1588"/>
-          <a:ext cx="1588" cy="1588"/>
-        </p:xfrm>
-        <a:graphic>
-          <a:graphicData uri="http://schemas.openxmlformats.org/presentationml/2006/ole">
-            <mc:AlternateContent xmlns:mc="http://schemas.openxmlformats.org/markup-compatibility/2006">
-              <mc:Choice xmlns:v="urn:schemas-microsoft-com:vml" Requires="v">
-                <p:oleObj spid="_x0000_s3076" name="think-cell Folie" r:id="rId4" imgW="395" imgH="394" progId="TCLayout.ActiveDocument.1">
-                  <p:embed/>
-                </p:oleObj>
-              </mc:Choice>
-              <mc:Fallback>
-                <p:oleObj name="think-cell Folie" r:id="rId4" imgW="395" imgH="394" progId="TCLayout.ActiveDocument.1">
-                  <p:embed/>
-                  <p:pic>
-                    <p:nvPicPr>
-                      <p:cNvPr id="2" name="Objekt 1" hidden="1">
-                        <a:extLst>
-                          <a:ext uri="{FF2B5EF4-FFF2-40B4-BE49-F238E27FC236}">
-                            <a16:creationId xmlns:a16="http://schemas.microsoft.com/office/drawing/2014/main" id="{B6009162-A553-9538-C5A2-79F0D3F53303}"/>
-                          </a:ext>
-                        </a:extLst>
-                      </p:cNvPr>
-                      <p:cNvPicPr/>
-                      <p:nvPr/>
-                    </p:nvPicPr>
-                    <p:blipFill>
-                      <a:blip r:embed="rId5"/>
-                      <a:stretch>
-                        <a:fillRect/>
-                      </a:stretch>
-                    </p:blipFill>
-                    <p:spPr>
-                      <a:xfrm>
-                        <a:off x="1588" y="1588"/>
-                        <a:ext cx="1588" cy="1588"/>
-                      </a:xfrm>
-                      <a:prstGeom prst="rect">
-                        <a:avLst/>
-                      </a:prstGeom>
-                    </p:spPr>
-                  </p:pic>
-                </p:oleObj>
-              </mc:Fallback>
-            </mc:AlternateContent>
-          </a:graphicData>
-        </a:graphic>
-      </p:graphicFrame>
-      <p:sp>
-        <p:nvSpPr>
-          <p:cNvPr id="3" name="Textfeld 2">
-            <a:extLst>
-              <a:ext uri="{FF2B5EF4-FFF2-40B4-BE49-F238E27FC236}">
-                <a16:creationId xmlns:a16="http://schemas.microsoft.com/office/drawing/2014/main" id="{081795DA-0283-31A0-14CF-E68AC84AC7B2}"/>
-              </a:ext>
-            </a:extLst>
-          </p:cNvPr>
+      <p:sp>
+        <p:nvSpPr>
+          <p:cNvPr id="16" name="Textfeld 15"/>
           <p:cNvSpPr txBox="1"/>
           <p:nvPr/>
         </p:nvSpPr>
         <p:spPr>
           <a:xfrm>
-            <a:off x="217474" y="615208"/>
+            <a:off x="217476" y="598268"/>
             <a:ext cx="6804837" cy="646331"/>
           </a:xfrm>
           <a:prstGeom prst="rect">
@@ -9800,27 +10794,25 @@
           <a:lstStyle/>
           <a:p>
             <a:r>
+              <a:rPr lang="de-DE" sz="3600" b="1" dirty="0" err="1"/>
+              <a:t>Locate</a:t>
+            </a:r>
+            <a:r>
               <a:rPr lang="de-DE" sz="3600" b="1" dirty="0"/>
-              <a:t>Ergebnis</a:t>
-            </a:r>
-          </a:p>
-        </p:txBody>
-      </p:sp>
-      <p:sp>
-        <p:nvSpPr>
-          <p:cNvPr id="4" name="Textfeld 3">
-            <a:extLst>
-              <a:ext uri="{FF2B5EF4-FFF2-40B4-BE49-F238E27FC236}">
-                <a16:creationId xmlns:a16="http://schemas.microsoft.com/office/drawing/2014/main" id="{6DD55A11-D9DF-6E7C-777F-8232AE15F8A4}"/>
-              </a:ext>
-            </a:extLst>
-          </p:cNvPr>
+              <a:t> Me - Algorithmus</a:t>
+            </a:r>
+          </a:p>
+        </p:txBody>
+      </p:sp>
+      <p:sp>
+        <p:nvSpPr>
+          <p:cNvPr id="8" name="Textfeld 7"/>
           <p:cNvSpPr txBox="1"/>
           <p:nvPr/>
         </p:nvSpPr>
         <p:spPr>
           <a:xfrm>
-            <a:off x="-6804837" y="615208"/>
+            <a:off x="-6806302" y="598268"/>
             <a:ext cx="6804837" cy="646331"/>
           </a:xfrm>
           <a:prstGeom prst="rect">
@@ -9836,7 +10828,7 @@
           <a:p>
             <a:r>
               <a:rPr lang="de-DE" sz="3600" b="1" dirty="0"/>
-              <a:t>Ausarbeitung</a:t>
+              <a:t>Projektplanung</a:t>
             </a:r>
           </a:p>
         </p:txBody>
@@ -9850,63 +10842,20 @@
           <p:nvPr/>
         </p:nvPicPr>
         <p:blipFill rotWithShape="1">
-          <a:blip r:embed="rId6"/>
+          <a:blip r:embed="rId2"/>
           <a:srcRect t="235" r="48745"/>
           <a:stretch/>
         </p:blipFill>
         <p:spPr>
           <a:xfrm flipH="1">
-            <a:off x="5943600" y="0"/>
-            <a:ext cx="6249600" cy="6858000"/>
+            <a:off x="10186736" y="-1528"/>
+            <a:ext cx="2006463" cy="6858000"/>
           </a:xfrm>
           <a:prstGeom prst="rect">
             <a:avLst/>
           </a:prstGeom>
         </p:spPr>
       </p:pic>
-      <p:sp>
-        <p:nvSpPr>
-          <p:cNvPr id="6" name="Rechteck 5"/>
-          <p:cNvSpPr/>
-          <p:nvPr/>
-        </p:nvSpPr>
-        <p:spPr>
-          <a:xfrm>
-            <a:off x="1518394" y="1408385"/>
-            <a:ext cx="9186041" cy="4967265"/>
-          </a:xfrm>
-          <a:prstGeom prst="rect">
-            <a:avLst/>
-          </a:prstGeom>
-          <a:solidFill>
-            <a:srgbClr val="0099FF"/>
-          </a:solidFill>
-        </p:spPr>
-        <p:style>
-          <a:lnRef idx="2">
-            <a:schemeClr val="accent1">
-              <a:shade val="50000"/>
-            </a:schemeClr>
-          </a:lnRef>
-          <a:fillRef idx="1">
-            <a:schemeClr val="accent1"/>
-          </a:fillRef>
-          <a:effectRef idx="0">
-            <a:schemeClr val="accent1"/>
-          </a:effectRef>
-          <a:fontRef idx="minor">
-            <a:schemeClr val="lt1"/>
-          </a:fontRef>
-        </p:style>
-        <p:txBody>
-          <a:bodyPr rtlCol="0" anchor="ctr"/>
-          <a:lstStyle/>
-          <a:p>
-            <a:pPr algn="ctr"/>
-            <a:endParaRPr lang="de-DE"/>
-          </a:p>
-        </p:txBody>
-      </p:sp>
       <p:sp>
         <p:nvSpPr>
           <p:cNvPr id="10" name="Textfeld 9"/>
@@ -9960,7 +10909,7 @@
           <p:nvPr/>
         </p:nvPicPr>
         <p:blipFill>
-          <a:blip r:embed="rId7" cstate="print">
+          <a:blip r:embed="rId3" cstate="print">
             <a:lum bright="70000" contrast="-70000"/>
             <a:extLst>
               <a:ext uri="{28A0092B-C50C-407E-A947-70E740481C1C}">
@@ -10054,34 +11003,726 @@
           </a:p>
         </p:txBody>
       </p:sp>
+      <p:sp>
+        <p:nvSpPr>
+          <p:cNvPr id="4" name="Textfeld 3">
+            <a:extLst>
+              <a:ext uri="{FF2B5EF4-FFF2-40B4-BE49-F238E27FC236}">
+                <a16:creationId xmlns:a16="http://schemas.microsoft.com/office/drawing/2014/main" id="{6DD55A11-D9DF-6E7C-777F-8232AE15F8A4}"/>
+              </a:ext>
+            </a:extLst>
+          </p:cNvPr>
+          <p:cNvSpPr txBox="1"/>
+          <p:nvPr/>
+        </p:nvSpPr>
+        <p:spPr>
+          <a:xfrm>
+            <a:off x="-6804837" y="598268"/>
+            <a:ext cx="6804837" cy="646331"/>
+          </a:xfrm>
+          <a:prstGeom prst="rect">
+            <a:avLst/>
+          </a:prstGeom>
+          <a:noFill/>
+        </p:spPr>
+        <p:txBody>
+          <a:bodyPr wrap="square" rtlCol="0">
+            <a:spAutoFit/>
+          </a:bodyPr>
+          <a:lstStyle/>
+          <a:p>
+            <a:r>
+              <a:rPr lang="de-DE" sz="3600" b="1" dirty="0"/>
+              <a:t>Ausarbeitung</a:t>
+            </a:r>
+          </a:p>
+        </p:txBody>
+      </p:sp>
+    </p:spTree>
+    <p:extLst>
+      <p:ext uri="{BB962C8B-B14F-4D97-AF65-F5344CB8AC3E}">
+        <p14:creationId xmlns:p14="http://schemas.microsoft.com/office/powerpoint/2010/main" val="3103194453"/>
+      </p:ext>
+    </p:extLst>
+  </p:cSld>
+  <p:clrMapOvr>
+    <a:masterClrMapping/>
+  </p:clrMapOvr>
+  <mc:AlternateContent xmlns:mc="http://schemas.openxmlformats.org/markup-compatibility/2006" xmlns:p159="http://schemas.microsoft.com/office/powerpoint/2015/09/main">
+    <mc:Choice Requires="p159">
+      <p:transition xmlns:p14="http://schemas.microsoft.com/office/powerpoint/2010/main" spd="slow" p14:dur="2000">
+        <p159:morph option="byObject"/>
+      </p:transition>
+    </mc:Choice>
+    <mc:Fallback xmlns="">
+      <p:transition spd="slow">
+        <p:fade/>
+      </p:transition>
+    </mc:Fallback>
+  </mc:AlternateContent>
+</p:sld>
+</file>
+
+<file path=ppt/slides/slide8.xml><?xml version="1.0" encoding="utf-8"?>
+<p:sld xmlns:a="http://schemas.openxmlformats.org/drawingml/2006/main" xmlns:r="http://schemas.openxmlformats.org/officeDocument/2006/relationships" xmlns:p="http://schemas.openxmlformats.org/presentationml/2006/main">
+  <p:cSld>
+    <p:spTree>
+      <p:nvGrpSpPr>
+        <p:cNvPr id="1" name=""/>
+        <p:cNvGrpSpPr/>
+        <p:nvPr/>
+      </p:nvGrpSpPr>
+      <p:grpSpPr>
+        <a:xfrm>
+          <a:off x="0" y="0"/>
+          <a:ext cx="0" cy="0"/>
+          <a:chOff x="0" y="0"/>
+          <a:chExt cx="0" cy="0"/>
+        </a:xfrm>
+      </p:grpSpPr>
+      <p:sp>
+        <p:nvSpPr>
+          <p:cNvPr id="16" name="Textfeld 15"/>
+          <p:cNvSpPr txBox="1"/>
+          <p:nvPr/>
+        </p:nvSpPr>
+        <p:spPr>
+          <a:xfrm>
+            <a:off x="217476" y="598268"/>
+            <a:ext cx="6804837" cy="646331"/>
+          </a:xfrm>
+          <a:prstGeom prst="rect">
+            <a:avLst/>
+          </a:prstGeom>
+          <a:noFill/>
+        </p:spPr>
+        <p:txBody>
+          <a:bodyPr wrap="square" rtlCol="0">
+            <a:spAutoFit/>
+          </a:bodyPr>
+          <a:lstStyle/>
+          <a:p>
+            <a:r>
+              <a:rPr lang="de-DE" sz="3600" b="1" dirty="0"/>
+              <a:t>Search City - Algorithmus</a:t>
+            </a:r>
+          </a:p>
+        </p:txBody>
+      </p:sp>
+      <p:sp>
+        <p:nvSpPr>
+          <p:cNvPr id="8" name="Textfeld 7"/>
+          <p:cNvSpPr txBox="1"/>
+          <p:nvPr/>
+        </p:nvSpPr>
+        <p:spPr>
+          <a:xfrm>
+            <a:off x="-6806302" y="598268"/>
+            <a:ext cx="6804837" cy="646331"/>
+          </a:xfrm>
+          <a:prstGeom prst="rect">
+            <a:avLst/>
+          </a:prstGeom>
+          <a:noFill/>
+        </p:spPr>
+        <p:txBody>
+          <a:bodyPr wrap="square" rtlCol="0">
+            <a:spAutoFit/>
+          </a:bodyPr>
+          <a:lstStyle/>
+          <a:p>
+            <a:r>
+              <a:rPr lang="de-DE" sz="3600" b="1" dirty="0"/>
+              <a:t>Projektplanung</a:t>
+            </a:r>
+          </a:p>
+        </p:txBody>
+      </p:sp>
       <p:pic>
         <p:nvPicPr>
-          <p:cNvPr id="5" name="Grafik 4"/>
+          <p:cNvPr id="41" name="Grafik 40"/>
           <p:cNvPicPr>
-            <a:picLocks noChangeAspect="1"/>
+            <a:picLocks/>
+          </p:cNvPicPr>
+          <p:nvPr/>
+        </p:nvPicPr>
+        <p:blipFill rotWithShape="1">
+          <a:blip r:embed="rId2"/>
+          <a:srcRect t="235" r="48745"/>
+          <a:stretch/>
+        </p:blipFill>
+        <p:spPr>
+          <a:xfrm flipH="1">
+            <a:off x="10186736" y="-1528"/>
+            <a:ext cx="2006463" cy="6858000"/>
+          </a:xfrm>
+          <a:prstGeom prst="rect">
+            <a:avLst/>
+          </a:prstGeom>
+        </p:spPr>
+      </p:pic>
+      <p:sp>
+        <p:nvSpPr>
+          <p:cNvPr id="10" name="Textfeld 9"/>
+          <p:cNvSpPr txBox="1"/>
+          <p:nvPr/>
+        </p:nvSpPr>
+        <p:spPr>
+          <a:xfrm>
+            <a:off x="7965440" y="445931"/>
+            <a:ext cx="3830320" cy="338554"/>
+          </a:xfrm>
+          <a:prstGeom prst="rect">
+            <a:avLst/>
+          </a:prstGeom>
+          <a:noFill/>
+          <a:ln w="12700">
+            <a:solidFill>
+              <a:schemeClr val="tx1">
+                <a:lumMod val="65000"/>
+              </a:schemeClr>
+            </a:solidFill>
+          </a:ln>
+        </p:spPr>
+        <p:txBody>
+          <a:bodyPr wrap="square" rtlCol="0">
+            <a:spAutoFit/>
+          </a:bodyPr>
+          <a:lstStyle/>
+          <a:p>
+            <a:r>
+              <a:rPr lang="de-DE" sz="1600" dirty="0"/>
+              <a:t>Search </a:t>
+            </a:r>
+            <a:r>
+              <a:rPr lang="de-DE" sz="1600" dirty="0" err="1"/>
+              <a:t>city</a:t>
+            </a:r>
+            <a:r>
+              <a:rPr lang="de-DE" sz="1600" dirty="0"/>
+              <a:t>…</a:t>
+            </a:r>
+          </a:p>
+        </p:txBody>
+      </p:sp>
+      <p:pic>
+        <p:nvPicPr>
+          <p:cNvPr id="11" name="Picture 2" descr="Navigation Symbol in Feather"/>
+          <p:cNvPicPr>
+            <a:picLocks noChangeAspect="1" noChangeArrowheads="1"/>
           </p:cNvPicPr>
           <p:nvPr/>
         </p:nvPicPr>
         <p:blipFill>
-          <a:blip r:embed="rId8"/>
+          <a:blip r:embed="rId3" cstate="print">
+            <a:lum bright="70000" contrast="-70000"/>
+            <a:extLst>
+              <a:ext uri="{28A0092B-C50C-407E-A947-70E740481C1C}">
+                <a14:useLocalDpi xmlns:a14="http://schemas.microsoft.com/office/drawing/2010/main" val="0"/>
+              </a:ext>
+            </a:extLst>
+          </a:blip>
+          <a:srcRect/>
           <a:stretch>
             <a:fillRect/>
           </a:stretch>
         </p:blipFill>
-        <p:spPr>
-          <a:xfrm>
-            <a:off x="2750917" y="1429004"/>
-            <a:ext cx="6775293" cy="4936486"/>
-          </a:xfrm>
-          <a:prstGeom prst="rect">
-            <a:avLst/>
-          </a:prstGeom>
+        <p:spPr bwMode="auto">
+          <a:xfrm>
+            <a:off x="7433250" y="415154"/>
+            <a:ext cx="400110" cy="400110"/>
+          </a:xfrm>
+          <a:prstGeom prst="rect">
+            <a:avLst/>
+          </a:prstGeom>
+          <a:noFill/>
+          <a:ln>
+            <a:solidFill>
+              <a:schemeClr val="tx1">
+                <a:lumMod val="65000"/>
+              </a:schemeClr>
+            </a:solidFill>
+          </a:ln>
         </p:spPr>
       </p:pic>
+      <p:sp>
+        <p:nvSpPr>
+          <p:cNvPr id="36" name="Textfeld 35"/>
+          <p:cNvSpPr txBox="1"/>
+          <p:nvPr/>
+        </p:nvSpPr>
+        <p:spPr>
+          <a:xfrm>
+            <a:off x="8560248" y="6462937"/>
+            <a:ext cx="3516314" cy="307777"/>
+          </a:xfrm>
+          <a:prstGeom prst="rect">
+            <a:avLst/>
+          </a:prstGeom>
+          <a:noFill/>
+        </p:spPr>
+        <p:txBody>
+          <a:bodyPr wrap="square" rtlCol="0">
+            <a:spAutoFit/>
+          </a:bodyPr>
+          <a:lstStyle/>
+          <a:p>
+            <a:r>
+              <a:rPr lang="de-DE" sz="1400" dirty="0"/>
+              <a:t>Maurice, Hesham, Merve, Henrik, Luca</a:t>
+            </a:r>
+          </a:p>
+        </p:txBody>
+      </p:sp>
+      <p:sp>
+        <p:nvSpPr>
+          <p:cNvPr id="9" name="Textfeld 8"/>
+          <p:cNvSpPr txBox="1"/>
+          <p:nvPr/>
+        </p:nvSpPr>
+        <p:spPr>
+          <a:xfrm>
+            <a:off x="217478" y="75050"/>
+            <a:ext cx="9167811" cy="523220"/>
+          </a:xfrm>
+          <a:prstGeom prst="rect">
+            <a:avLst/>
+          </a:prstGeom>
+          <a:noFill/>
+        </p:spPr>
+        <p:txBody>
+          <a:bodyPr wrap="square" rtlCol="0">
+            <a:spAutoFit/>
+          </a:bodyPr>
+          <a:lstStyle/>
+          <a:p>
+            <a:r>
+              <a:rPr lang="de-DE" sz="2800" b="1" dirty="0" err="1">
+                <a:latin typeface="Agency FB" panose="020B0503020202020204" pitchFamily="34" charset="0"/>
+              </a:rPr>
+              <a:t>WeatherApp</a:t>
+            </a:r>
+            <a:endParaRPr lang="de-DE" sz="2800" b="1" dirty="0">
+              <a:latin typeface="Agency FB" panose="020B0503020202020204" pitchFamily="34" charset="0"/>
+            </a:endParaRPr>
+          </a:p>
+        </p:txBody>
+      </p:sp>
+      <p:sp>
+        <p:nvSpPr>
+          <p:cNvPr id="4" name="Textfeld 3">
+            <a:extLst>
+              <a:ext uri="{FF2B5EF4-FFF2-40B4-BE49-F238E27FC236}">
+                <a16:creationId xmlns:a16="http://schemas.microsoft.com/office/drawing/2014/main" id="{6DD55A11-D9DF-6E7C-777F-8232AE15F8A4}"/>
+              </a:ext>
+            </a:extLst>
+          </p:cNvPr>
+          <p:cNvSpPr txBox="1"/>
+          <p:nvPr/>
+        </p:nvSpPr>
+        <p:spPr>
+          <a:xfrm>
+            <a:off x="-6804837" y="598268"/>
+            <a:ext cx="6804837" cy="646331"/>
+          </a:xfrm>
+          <a:prstGeom prst="rect">
+            <a:avLst/>
+          </a:prstGeom>
+          <a:noFill/>
+        </p:spPr>
+        <p:txBody>
+          <a:bodyPr wrap="square" rtlCol="0">
+            <a:spAutoFit/>
+          </a:bodyPr>
+          <a:lstStyle/>
+          <a:p>
+            <a:r>
+              <a:rPr lang="de-DE" sz="3600" b="1" dirty="0"/>
+              <a:t>Ausarbeitung</a:t>
+            </a:r>
+          </a:p>
+        </p:txBody>
+      </p:sp>
     </p:spTree>
     <p:extLst>
       <p:ext uri="{BB962C8B-B14F-4D97-AF65-F5344CB8AC3E}">
-        <p14:creationId xmlns:p14="http://schemas.microsoft.com/office/powerpoint/2010/main" val="529920649"/>
+        <p14:creationId xmlns:p14="http://schemas.microsoft.com/office/powerpoint/2010/main" val="2088736867"/>
+      </p:ext>
+    </p:extLst>
+  </p:cSld>
+  <p:clrMapOvr>
+    <a:masterClrMapping/>
+  </p:clrMapOvr>
+  <mc:AlternateContent xmlns:mc="http://schemas.openxmlformats.org/markup-compatibility/2006" xmlns:p159="http://schemas.microsoft.com/office/powerpoint/2015/09/main">
+    <mc:Choice Requires="p159">
+      <p:transition xmlns:p14="http://schemas.microsoft.com/office/powerpoint/2010/main" spd="slow" p14:dur="2000">
+        <p159:morph option="byObject"/>
+      </p:transition>
+    </mc:Choice>
+    <mc:Fallback xmlns="">
+      <p:transition spd="slow">
+        <p:fade/>
+      </p:transition>
+    </mc:Fallback>
+  </mc:AlternateContent>
+</p:sld>
+</file>
+
+<file path=ppt/slides/slide9.xml><?xml version="1.0" encoding="utf-8"?>
+<p:sld xmlns:a="http://schemas.openxmlformats.org/drawingml/2006/main" xmlns:r="http://schemas.openxmlformats.org/officeDocument/2006/relationships" xmlns:p="http://schemas.openxmlformats.org/presentationml/2006/main">
+  <p:cSld>
+    <p:spTree>
+      <p:nvGrpSpPr>
+        <p:cNvPr id="1" name=""/>
+        <p:cNvGrpSpPr/>
+        <p:nvPr/>
+      </p:nvGrpSpPr>
+      <p:grpSpPr>
+        <a:xfrm>
+          <a:off x="0" y="0"/>
+          <a:ext cx="0" cy="0"/>
+          <a:chOff x="0" y="0"/>
+          <a:chExt cx="0" cy="0"/>
+        </a:xfrm>
+      </p:grpSpPr>
+      <p:sp>
+        <p:nvSpPr>
+          <p:cNvPr id="16" name="Textfeld 15"/>
+          <p:cNvSpPr txBox="1"/>
+          <p:nvPr/>
+        </p:nvSpPr>
+        <p:spPr>
+          <a:xfrm>
+            <a:off x="217476" y="598268"/>
+            <a:ext cx="6804837" cy="646331"/>
+          </a:xfrm>
+          <a:prstGeom prst="rect">
+            <a:avLst/>
+          </a:prstGeom>
+          <a:noFill/>
+        </p:spPr>
+        <p:txBody>
+          <a:bodyPr wrap="square" rtlCol="0">
+            <a:spAutoFit/>
+          </a:bodyPr>
+          <a:lstStyle/>
+          <a:p>
+            <a:r>
+              <a:rPr lang="de-DE" sz="3600" b="1" dirty="0"/>
+              <a:t>Grundidee V1.1</a:t>
+            </a:r>
+          </a:p>
+        </p:txBody>
+      </p:sp>
+      <p:sp>
+        <p:nvSpPr>
+          <p:cNvPr id="8" name="Textfeld 7"/>
+          <p:cNvSpPr txBox="1"/>
+          <p:nvPr/>
+        </p:nvSpPr>
+        <p:spPr>
+          <a:xfrm>
+            <a:off x="-6806302" y="598268"/>
+            <a:ext cx="6804837" cy="646331"/>
+          </a:xfrm>
+          <a:prstGeom prst="rect">
+            <a:avLst/>
+          </a:prstGeom>
+          <a:noFill/>
+        </p:spPr>
+        <p:txBody>
+          <a:bodyPr wrap="square" rtlCol="0">
+            <a:spAutoFit/>
+          </a:bodyPr>
+          <a:lstStyle/>
+          <a:p>
+            <a:r>
+              <a:rPr lang="de-DE" sz="3600" b="1" dirty="0"/>
+              <a:t>Projektplanung</a:t>
+            </a:r>
+          </a:p>
+        </p:txBody>
+      </p:sp>
+      <p:pic>
+        <p:nvPicPr>
+          <p:cNvPr id="41" name="Grafik 40"/>
+          <p:cNvPicPr>
+            <a:picLocks/>
+          </p:cNvPicPr>
+          <p:nvPr/>
+        </p:nvPicPr>
+        <p:blipFill rotWithShape="1">
+          <a:blip r:embed="rId2"/>
+          <a:srcRect t="235" r="48745"/>
+          <a:stretch/>
+        </p:blipFill>
+        <p:spPr>
+          <a:xfrm flipH="1">
+            <a:off x="10186736" y="-1528"/>
+            <a:ext cx="2006463" cy="6858000"/>
+          </a:xfrm>
+          <a:prstGeom prst="rect">
+            <a:avLst/>
+          </a:prstGeom>
+        </p:spPr>
+      </p:pic>
+      <p:sp>
+        <p:nvSpPr>
+          <p:cNvPr id="10" name="Textfeld 9"/>
+          <p:cNvSpPr txBox="1"/>
+          <p:nvPr/>
+        </p:nvSpPr>
+        <p:spPr>
+          <a:xfrm>
+            <a:off x="7965440" y="445931"/>
+            <a:ext cx="3830320" cy="338554"/>
+          </a:xfrm>
+          <a:prstGeom prst="rect">
+            <a:avLst/>
+          </a:prstGeom>
+          <a:noFill/>
+          <a:ln w="12700">
+            <a:solidFill>
+              <a:schemeClr val="tx1">
+                <a:lumMod val="65000"/>
+              </a:schemeClr>
+            </a:solidFill>
+          </a:ln>
+        </p:spPr>
+        <p:txBody>
+          <a:bodyPr wrap="square" rtlCol="0">
+            <a:spAutoFit/>
+          </a:bodyPr>
+          <a:lstStyle/>
+          <a:p>
+            <a:r>
+              <a:rPr lang="de-DE" sz="1600" dirty="0"/>
+              <a:t>Search </a:t>
+            </a:r>
+            <a:r>
+              <a:rPr lang="de-DE" sz="1600" dirty="0" err="1"/>
+              <a:t>city</a:t>
+            </a:r>
+            <a:r>
+              <a:rPr lang="de-DE" sz="1600" dirty="0"/>
+              <a:t>…</a:t>
+            </a:r>
+          </a:p>
+        </p:txBody>
+      </p:sp>
+      <p:pic>
+        <p:nvPicPr>
+          <p:cNvPr id="11" name="Picture 2" descr="Navigation Symbol in Feather"/>
+          <p:cNvPicPr>
+            <a:picLocks noChangeAspect="1" noChangeArrowheads="1"/>
+          </p:cNvPicPr>
+          <p:nvPr/>
+        </p:nvPicPr>
+        <p:blipFill>
+          <a:blip r:embed="rId3" cstate="print">
+            <a:lum bright="70000" contrast="-70000"/>
+            <a:extLst>
+              <a:ext uri="{28A0092B-C50C-407E-A947-70E740481C1C}">
+                <a14:useLocalDpi xmlns:a14="http://schemas.microsoft.com/office/drawing/2010/main" val="0"/>
+              </a:ext>
+            </a:extLst>
+          </a:blip>
+          <a:srcRect/>
+          <a:stretch>
+            <a:fillRect/>
+          </a:stretch>
+        </p:blipFill>
+        <p:spPr bwMode="auto">
+          <a:xfrm>
+            <a:off x="7433250" y="415154"/>
+            <a:ext cx="400110" cy="400110"/>
+          </a:xfrm>
+          <a:prstGeom prst="rect">
+            <a:avLst/>
+          </a:prstGeom>
+          <a:noFill/>
+          <a:ln>
+            <a:solidFill>
+              <a:schemeClr val="tx1">
+                <a:lumMod val="65000"/>
+              </a:schemeClr>
+            </a:solidFill>
+          </a:ln>
+        </p:spPr>
+      </p:pic>
+      <p:sp>
+        <p:nvSpPr>
+          <p:cNvPr id="36" name="Textfeld 35"/>
+          <p:cNvSpPr txBox="1"/>
+          <p:nvPr/>
+        </p:nvSpPr>
+        <p:spPr>
+          <a:xfrm>
+            <a:off x="8560248" y="6462937"/>
+            <a:ext cx="3516314" cy="307777"/>
+          </a:xfrm>
+          <a:prstGeom prst="rect">
+            <a:avLst/>
+          </a:prstGeom>
+          <a:noFill/>
+        </p:spPr>
+        <p:txBody>
+          <a:bodyPr wrap="square" rtlCol="0">
+            <a:spAutoFit/>
+          </a:bodyPr>
+          <a:lstStyle/>
+          <a:p>
+            <a:r>
+              <a:rPr lang="de-DE" sz="1400" dirty="0"/>
+              <a:t>Maurice, Hesham, Merve, Henrik, Luca</a:t>
+            </a:r>
+          </a:p>
+        </p:txBody>
+      </p:sp>
+      <p:sp>
+        <p:nvSpPr>
+          <p:cNvPr id="9" name="Textfeld 8"/>
+          <p:cNvSpPr txBox="1"/>
+          <p:nvPr/>
+        </p:nvSpPr>
+        <p:spPr>
+          <a:xfrm>
+            <a:off x="217478" y="75050"/>
+            <a:ext cx="9167811" cy="523220"/>
+          </a:xfrm>
+          <a:prstGeom prst="rect">
+            <a:avLst/>
+          </a:prstGeom>
+          <a:noFill/>
+        </p:spPr>
+        <p:txBody>
+          <a:bodyPr wrap="square" rtlCol="0">
+            <a:spAutoFit/>
+          </a:bodyPr>
+          <a:lstStyle/>
+          <a:p>
+            <a:r>
+              <a:rPr lang="de-DE" sz="2800" b="1" dirty="0" err="1">
+                <a:latin typeface="Agency FB" panose="020B0503020202020204" pitchFamily="34" charset="0"/>
+              </a:rPr>
+              <a:t>WeatherApp</a:t>
+            </a:r>
+            <a:endParaRPr lang="de-DE" sz="2800" b="1" dirty="0">
+              <a:latin typeface="Agency FB" panose="020B0503020202020204" pitchFamily="34" charset="0"/>
+            </a:endParaRPr>
+          </a:p>
+        </p:txBody>
+      </p:sp>
+      <p:sp>
+        <p:nvSpPr>
+          <p:cNvPr id="4" name="Textfeld 3">
+            <a:extLst>
+              <a:ext uri="{FF2B5EF4-FFF2-40B4-BE49-F238E27FC236}">
+                <a16:creationId xmlns:a16="http://schemas.microsoft.com/office/drawing/2014/main" id="{6DD55A11-D9DF-6E7C-777F-8232AE15F8A4}"/>
+              </a:ext>
+            </a:extLst>
+          </p:cNvPr>
+          <p:cNvSpPr txBox="1"/>
+          <p:nvPr/>
+        </p:nvSpPr>
+        <p:spPr>
+          <a:xfrm>
+            <a:off x="-6804837" y="598268"/>
+            <a:ext cx="6804837" cy="646331"/>
+          </a:xfrm>
+          <a:prstGeom prst="rect">
+            <a:avLst/>
+          </a:prstGeom>
+          <a:noFill/>
+        </p:spPr>
+        <p:txBody>
+          <a:bodyPr wrap="square" rtlCol="0">
+            <a:spAutoFit/>
+          </a:bodyPr>
+          <a:lstStyle/>
+          <a:p>
+            <a:r>
+              <a:rPr lang="de-DE" sz="3600" b="1" dirty="0"/>
+              <a:t>Ausarbeitung</a:t>
+            </a:r>
+          </a:p>
+        </p:txBody>
+      </p:sp>
+      <p:sp>
+        <p:nvSpPr>
+          <p:cNvPr id="5" name="Textfeld 4">
+            <a:extLst>
+              <a:ext uri="{FF2B5EF4-FFF2-40B4-BE49-F238E27FC236}">
+                <a16:creationId xmlns:a16="http://schemas.microsoft.com/office/drawing/2014/main" id="{4079976F-DE4F-B94C-58C8-448B6010A2EC}"/>
+              </a:ext>
+            </a:extLst>
+          </p:cNvPr>
+          <p:cNvSpPr txBox="1"/>
+          <p:nvPr/>
+        </p:nvSpPr>
+        <p:spPr>
+          <a:xfrm>
+            <a:off x="465549" y="1767817"/>
+            <a:ext cx="9320464" cy="646331"/>
+          </a:xfrm>
+          <a:prstGeom prst="rect">
+            <a:avLst/>
+          </a:prstGeom>
+          <a:noFill/>
+        </p:spPr>
+        <p:txBody>
+          <a:bodyPr wrap="square" rtlCol="0">
+            <a:spAutoFit/>
+          </a:bodyPr>
+          <a:lstStyle/>
+          <a:p>
+            <a:pPr marL="285750" indent="-285750">
+              <a:buFont typeface="Wingdings" panose="05000000000000000000" pitchFamily="2" charset="2"/>
+              <a:buChar char="Ø"/>
+            </a:pPr>
+            <a:r>
+              <a:rPr lang="en-GB" dirty="0" err="1"/>
+              <a:t>APICall</a:t>
+            </a:r>
+            <a:r>
+              <a:rPr lang="en-GB" dirty="0"/>
+              <a:t>-, DB-Access-</a:t>
+            </a:r>
+            <a:r>
+              <a:rPr lang="en-GB" dirty="0" err="1"/>
+              <a:t>Klasse</a:t>
+            </a:r>
+            <a:endParaRPr lang="en-GB" dirty="0"/>
+          </a:p>
+          <a:p>
+            <a:pPr marL="285750" indent="-285750">
+              <a:buFont typeface="Wingdings" panose="05000000000000000000" pitchFamily="2" charset="2"/>
+              <a:buChar char="Ø"/>
+            </a:pPr>
+            <a:r>
+              <a:rPr lang="en-GB" dirty="0"/>
+              <a:t>Array für </a:t>
+            </a:r>
+            <a:r>
+              <a:rPr lang="en-GB" dirty="0" err="1"/>
+              <a:t>Längen</a:t>
+            </a:r>
+            <a:r>
+              <a:rPr lang="en-GB" dirty="0"/>
+              <a:t>- und </a:t>
+            </a:r>
+            <a:r>
+              <a:rPr lang="en-GB" dirty="0" err="1"/>
+              <a:t>Breitengrade</a:t>
+            </a:r>
+            <a:endParaRPr lang="en-GB" dirty="0"/>
+          </a:p>
+        </p:txBody>
+      </p:sp>
+    </p:spTree>
+    <p:extLst>
+      <p:ext uri="{BB962C8B-B14F-4D97-AF65-F5344CB8AC3E}">
+        <p14:creationId xmlns:p14="http://schemas.microsoft.com/office/powerpoint/2010/main" val="3775650957"/>
       </p:ext>
     </p:extLst>
   </p:cSld>
@@ -10110,18 +11751,6 @@
 </file>
 
 <file path=ppt/tags/tag2.xml><?xml version="1.0" encoding="utf-8"?>
-<p:tagLst xmlns:a="http://schemas.openxmlformats.org/drawingml/2006/main" xmlns:r="http://schemas.openxmlformats.org/officeDocument/2006/relationships" xmlns:p="http://schemas.openxmlformats.org/presentationml/2006/main">
-  <p:tag name="THINKCELLSHAPEDONOTDELETE" val="thinkcellActiveDocDoNotDelete"/>
-</p:tagLst>
-</file>
-
-<file path=ppt/tags/tag3.xml><?xml version="1.0" encoding="utf-8"?>
-<p:tagLst xmlns:a="http://schemas.openxmlformats.org/drawingml/2006/main" xmlns:r="http://schemas.openxmlformats.org/officeDocument/2006/relationships" xmlns:p="http://schemas.openxmlformats.org/presentationml/2006/main">
-  <p:tag name="THINKCELLSHAPEDONOTDELETE" val="thinkcellActiveDocDoNotDelete"/>
-</p:tagLst>
-</file>
-
-<file path=ppt/tags/tag4.xml><?xml version="1.0" encoding="utf-8"?>
 <p:tagLst xmlns:a="http://schemas.openxmlformats.org/drawingml/2006/main" xmlns:r="http://schemas.openxmlformats.org/officeDocument/2006/relationships" xmlns:p="http://schemas.openxmlformats.org/presentationml/2006/main">
   <p:tag name="THINKCELLSHAPEDONOTDELETE" val="thinkcellActiveDocDoNotDelete"/>
 </p:tagLst>

--- a/Design_WetterApp.pptx
+++ b/Design_WetterApp.pptx
@@ -310,7 +310,7 @@
           <a:p>
             <a:fld id="{EA0EDBBA-F36F-4F40-8FE5-FF2925A0050C}" type="datetimeFigureOut">
               <a:rPr lang="de-DE" smtClean="0"/>
-              <a:t>03.07.2023</a:t>
+              <a:t>04.07.2023</a:t>
             </a:fld>
             <a:endParaRPr lang="de-DE"/>
           </a:p>
@@ -585,7 +585,7 @@
           <a:p>
             <a:fld id="{EA0EDBBA-F36F-4F40-8FE5-FF2925A0050C}" type="datetimeFigureOut">
               <a:rPr lang="de-DE" smtClean="0"/>
-              <a:t>03.07.2023</a:t>
+              <a:t>04.07.2023</a:t>
             </a:fld>
             <a:endParaRPr lang="de-DE"/>
           </a:p>
@@ -779,7 +779,7 @@
           <a:p>
             <a:fld id="{EA0EDBBA-F36F-4F40-8FE5-FF2925A0050C}" type="datetimeFigureOut">
               <a:rPr lang="de-DE" smtClean="0"/>
-              <a:t>03.07.2023</a:t>
+              <a:t>04.07.2023</a:t>
             </a:fld>
             <a:endParaRPr lang="de-DE"/>
           </a:p>
@@ -1047,7 +1047,7 @@
           <a:p>
             <a:fld id="{EA0EDBBA-F36F-4F40-8FE5-FF2925A0050C}" type="datetimeFigureOut">
               <a:rPr lang="de-DE" smtClean="0"/>
-              <a:t>03.07.2023</a:t>
+              <a:t>04.07.2023</a:t>
             </a:fld>
             <a:endParaRPr lang="de-DE"/>
           </a:p>
@@ -1379,7 +1379,7 @@
           <a:p>
             <a:fld id="{EA0EDBBA-F36F-4F40-8FE5-FF2925A0050C}" type="datetimeFigureOut">
               <a:rPr lang="de-DE" smtClean="0"/>
-              <a:t>03.07.2023</a:t>
+              <a:t>04.07.2023</a:t>
             </a:fld>
             <a:endParaRPr lang="de-DE"/>
           </a:p>
@@ -1989,7 +1989,7 @@
           <a:p>
             <a:fld id="{EA0EDBBA-F36F-4F40-8FE5-FF2925A0050C}" type="datetimeFigureOut">
               <a:rPr lang="de-DE" smtClean="0"/>
-              <a:t>03.07.2023</a:t>
+              <a:t>04.07.2023</a:t>
             </a:fld>
             <a:endParaRPr lang="de-DE"/>
           </a:p>
@@ -2836,7 +2836,7 @@
           <a:p>
             <a:fld id="{EA0EDBBA-F36F-4F40-8FE5-FF2925A0050C}" type="datetimeFigureOut">
               <a:rPr lang="de-DE" smtClean="0"/>
-              <a:t>03.07.2023</a:t>
+              <a:t>04.07.2023</a:t>
             </a:fld>
             <a:endParaRPr lang="de-DE"/>
           </a:p>
@@ -3006,7 +3006,7 @@
           <a:p>
             <a:fld id="{EA0EDBBA-F36F-4F40-8FE5-FF2925A0050C}" type="datetimeFigureOut">
               <a:rPr lang="de-DE" smtClean="0"/>
-              <a:t>03.07.2023</a:t>
+              <a:t>04.07.2023</a:t>
             </a:fld>
             <a:endParaRPr lang="de-DE"/>
           </a:p>
@@ -3186,7 +3186,7 @@
           <a:p>
             <a:fld id="{EA0EDBBA-F36F-4F40-8FE5-FF2925A0050C}" type="datetimeFigureOut">
               <a:rPr lang="de-DE" smtClean="0"/>
-              <a:t>03.07.2023</a:t>
+              <a:t>04.07.2023</a:t>
             </a:fld>
             <a:endParaRPr lang="de-DE"/>
           </a:p>
@@ -3356,7 +3356,7 @@
           <a:p>
             <a:fld id="{EA0EDBBA-F36F-4F40-8FE5-FF2925A0050C}" type="datetimeFigureOut">
               <a:rPr lang="de-DE" smtClean="0"/>
-              <a:t>03.07.2023</a:t>
+              <a:t>04.07.2023</a:t>
             </a:fld>
             <a:endParaRPr lang="de-DE"/>
           </a:p>
@@ -3600,7 +3600,7 @@
           <a:p>
             <a:fld id="{EA0EDBBA-F36F-4F40-8FE5-FF2925A0050C}" type="datetimeFigureOut">
               <a:rPr lang="de-DE" smtClean="0"/>
-              <a:t>03.07.2023</a:t>
+              <a:t>04.07.2023</a:t>
             </a:fld>
             <a:endParaRPr lang="de-DE"/>
           </a:p>
@@ -3892,7 +3892,7 @@
           <a:p>
             <a:fld id="{EA0EDBBA-F36F-4F40-8FE5-FF2925A0050C}" type="datetimeFigureOut">
               <a:rPr lang="de-DE" smtClean="0"/>
-              <a:t>03.07.2023</a:t>
+              <a:t>04.07.2023</a:t>
             </a:fld>
             <a:endParaRPr lang="de-DE"/>
           </a:p>
@@ -4330,7 +4330,7 @@
           <a:p>
             <a:fld id="{EA0EDBBA-F36F-4F40-8FE5-FF2925A0050C}" type="datetimeFigureOut">
               <a:rPr lang="de-DE" smtClean="0"/>
-              <a:t>03.07.2023</a:t>
+              <a:t>04.07.2023</a:t>
             </a:fld>
             <a:endParaRPr lang="de-DE"/>
           </a:p>
@@ -4448,7 +4448,7 @@
           <a:p>
             <a:fld id="{EA0EDBBA-F36F-4F40-8FE5-FF2925A0050C}" type="datetimeFigureOut">
               <a:rPr lang="de-DE" smtClean="0"/>
-              <a:t>03.07.2023</a:t>
+              <a:t>04.07.2023</a:t>
             </a:fld>
             <a:endParaRPr lang="de-DE"/>
           </a:p>
@@ -4543,7 +4543,7 @@
           <a:p>
             <a:fld id="{EA0EDBBA-F36F-4F40-8FE5-FF2925A0050C}" type="datetimeFigureOut">
               <a:rPr lang="de-DE" smtClean="0"/>
-              <a:t>03.07.2023</a:t>
+              <a:t>04.07.2023</a:t>
             </a:fld>
             <a:endParaRPr lang="de-DE"/>
           </a:p>
@@ -4822,7 +4822,7 @@
           <a:p>
             <a:fld id="{EA0EDBBA-F36F-4F40-8FE5-FF2925A0050C}" type="datetimeFigureOut">
               <a:rPr lang="de-DE" smtClean="0"/>
-              <a:t>03.07.2023</a:t>
+              <a:t>04.07.2023</a:t>
             </a:fld>
             <a:endParaRPr lang="de-DE"/>
           </a:p>
@@ -5097,7 +5097,7 @@
           <a:p>
             <a:fld id="{EA0EDBBA-F36F-4F40-8FE5-FF2925A0050C}" type="datetimeFigureOut">
               <a:rPr lang="de-DE" smtClean="0"/>
-              <a:t>03.07.2023</a:t>
+              <a:t>04.07.2023</a:t>
             </a:fld>
             <a:endParaRPr lang="de-DE"/>
           </a:p>
@@ -5606,7 +5606,7 @@
           <a:p>
             <a:fld id="{EA0EDBBA-F36F-4F40-8FE5-FF2925A0050C}" type="datetimeFigureOut">
               <a:rPr lang="de-DE" smtClean="0"/>
-              <a:t>03.07.2023</a:t>
+              <a:t>04.07.2023</a:t>
             </a:fld>
             <a:endParaRPr lang="de-DE"/>
           </a:p>
@@ -8885,8 +8885,8 @@
         </p:blipFill>
         <p:spPr>
           <a:xfrm flipH="1">
-            <a:off x="5943600" y="0"/>
-            <a:ext cx="6249600" cy="6858000"/>
+            <a:off x="9385288" y="0"/>
+            <a:ext cx="2807911" cy="6858000"/>
           </a:xfrm>
           <a:prstGeom prst="rect">
             <a:avLst/>
@@ -10002,8 +10002,8 @@
         </p:blipFill>
         <p:spPr>
           <a:xfrm flipH="1">
-            <a:off x="10186736" y="-1528"/>
-            <a:ext cx="2006463" cy="6858000"/>
+            <a:off x="5794743" y="-1528"/>
+            <a:ext cx="6398455" cy="6858000"/>
           </a:xfrm>
           <a:prstGeom prst="rect">
             <a:avLst/>
@@ -10833,29 +10833,6 @@
           </a:p>
         </p:txBody>
       </p:sp>
-      <p:pic>
-        <p:nvPicPr>
-          <p:cNvPr id="41" name="Grafik 40"/>
-          <p:cNvPicPr>
-            <a:picLocks/>
-          </p:cNvPicPr>
-          <p:nvPr/>
-        </p:nvPicPr>
-        <p:blipFill rotWithShape="1">
-          <a:blip r:embed="rId2"/>
-          <a:srcRect t="235" r="48745"/>
-          <a:stretch/>
-        </p:blipFill>
-        <p:spPr>
-          <a:xfrm flipH="1">
-            <a:off x="10186736" y="-1528"/>
-            <a:ext cx="2006463" cy="6858000"/>
-          </a:xfrm>
-          <a:prstGeom prst="rect">
-            <a:avLst/>
-          </a:prstGeom>
-        </p:spPr>
-      </p:pic>
       <p:sp>
         <p:nvSpPr>
           <p:cNvPr id="10" name="Textfeld 9"/>
@@ -10909,7 +10886,7 @@
           <p:nvPr/>
         </p:nvPicPr>
         <p:blipFill>
-          <a:blip r:embed="rId3" cstate="print">
+          <a:blip r:embed="rId2" cstate="print">
             <a:lum bright="70000" contrast="-70000"/>
             <a:extLst>
               <a:ext uri="{28A0092B-C50C-407E-A947-70E740481C1C}">
@@ -11038,6 +11015,35 @@
           </a:p>
         </p:txBody>
       </p:sp>
+      <p:pic>
+        <p:nvPicPr>
+          <p:cNvPr id="2" name="Grafik 1">
+            <a:extLst>
+              <a:ext uri="{FF2B5EF4-FFF2-40B4-BE49-F238E27FC236}">
+                <a16:creationId xmlns:a16="http://schemas.microsoft.com/office/drawing/2014/main" id="{28557C4F-11C1-EC59-DCA4-F208BC17FB88}"/>
+              </a:ext>
+            </a:extLst>
+          </p:cNvPr>
+          <p:cNvPicPr>
+            <a:picLocks/>
+          </p:cNvPicPr>
+          <p:nvPr/>
+        </p:nvPicPr>
+        <p:blipFill rotWithShape="1">
+          <a:blip r:embed="rId3"/>
+          <a:srcRect t="235" r="48745"/>
+          <a:stretch/>
+        </p:blipFill>
+        <p:spPr>
+          <a:xfrm flipH="1">
+            <a:off x="5794743" y="-1528"/>
+            <a:ext cx="6398455" cy="6858000"/>
+          </a:xfrm>
+          <a:prstGeom prst="rect">
+            <a:avLst/>
+          </a:prstGeom>
+        </p:spPr>
+      </p:pic>
     </p:spTree>
     <p:extLst>
       <p:ext uri="{BB962C8B-B14F-4D97-AF65-F5344CB8AC3E}">
@@ -12022,6 +12028,23 @@
 </file>
 
 <file path=customXml/item1.xml><?xml version="1.0" encoding="utf-8"?>
+<?mso-contentType ?>
+<FormTemplates xmlns="http://schemas.microsoft.com/sharepoint/v3/contenttype/forms">
+  <Display>DocumentLibraryForm</Display>
+  <Edit>DocumentLibraryForm</Edit>
+  <New>DocumentLibraryForm</New>
+</FormTemplates>
+</file>
+
+<file path=customXml/item2.xml><?xml version="1.0" encoding="utf-8"?>
+<p:properties xmlns:p="http://schemas.microsoft.com/office/2006/metadata/properties" xmlns:xsi="http://www.w3.org/2001/XMLSchema-instance" xmlns:pc="http://schemas.microsoft.com/office/infopath/2007/PartnerControls">
+  <documentManagement>
+    <_activity xmlns="522e9e59-5b9e-4fcd-a4b6-ad60182caee2" xsi:nil="true"/>
+  </documentManagement>
+</p:properties>
+</file>
+
+<file path=customXml/item3.xml><?xml version="1.0" encoding="utf-8"?>
 <ct:contentTypeSchema xmlns:ct="http://schemas.microsoft.com/office/2006/metadata/contentType" xmlns:ma="http://schemas.microsoft.com/office/2006/metadata/properties/metaAttributes" ct:_="" ma:_="" ma:contentTypeName="Document" ma:contentTypeID="0x0101003CD4794A6BEF7645BCDC859D16D8D58D" ma:contentTypeVersion="11" ma:contentTypeDescription="Create a new document." ma:contentTypeScope="" ma:versionID="392a73e8a323ac3436177d957642a4d6">
   <xsd:schema xmlns:xsd="http://www.w3.org/2001/XMLSchema" xmlns:xs="http://www.w3.org/2001/XMLSchema" xmlns:p="http://schemas.microsoft.com/office/2006/metadata/properties" xmlns:ns3="522e9e59-5b9e-4fcd-a4b6-ad60182caee2" targetNamespace="http://schemas.microsoft.com/office/2006/metadata/properties" ma:root="true" ma:fieldsID="f24508493edffc831bc7ef2ad3827650" ns3:_="">
     <xsd:import namespace="522e9e59-5b9e-4fcd-a4b6-ad60182caee2"/>
@@ -12209,37 +12232,10 @@
 </ct:contentTypeSchema>
 </file>
 
-<file path=customXml/item2.xml><?xml version="1.0" encoding="utf-8"?>
-<p:properties xmlns:p="http://schemas.microsoft.com/office/2006/metadata/properties" xmlns:xsi="http://www.w3.org/2001/XMLSchema-instance" xmlns:pc="http://schemas.microsoft.com/office/infopath/2007/PartnerControls">
-  <documentManagement>
-    <_activity xmlns="522e9e59-5b9e-4fcd-a4b6-ad60182caee2" xsi:nil="true"/>
-  </documentManagement>
-</p:properties>
-</file>
-
-<file path=customXml/item3.xml><?xml version="1.0" encoding="utf-8"?>
-<?mso-contentType ?>
-<FormTemplates xmlns="http://schemas.microsoft.com/sharepoint/v3/contenttype/forms">
-  <Display>DocumentLibraryForm</Display>
-  <Edit>DocumentLibraryForm</Edit>
-  <New>DocumentLibraryForm</New>
-</FormTemplates>
-</file>
-
 <file path=customXml/itemProps1.xml><?xml version="1.0" encoding="utf-8"?>
-<ds:datastoreItem xmlns:ds="http://schemas.openxmlformats.org/officeDocument/2006/customXml" ds:itemID="{47E40AA2-AB36-4BDA-A3F5-D667D1634435}">
+<ds:datastoreItem xmlns:ds="http://schemas.openxmlformats.org/officeDocument/2006/customXml" ds:itemID="{DCF31296-EC6C-4E0F-A447-B65B00A99687}">
   <ds:schemaRefs>
-    <ds:schemaRef ds:uri="http://schemas.microsoft.com/office/2006/metadata/contentType"/>
-    <ds:schemaRef ds:uri="http://schemas.microsoft.com/office/2006/metadata/properties/metaAttributes"/>
-    <ds:schemaRef ds:uri="http://www.w3.org/2001/XMLSchema"/>
-    <ds:schemaRef ds:uri="http://schemas.microsoft.com/office/2006/metadata/properties"/>
-    <ds:schemaRef ds:uri="522e9e59-5b9e-4fcd-a4b6-ad60182caee2"/>
-    <ds:schemaRef ds:uri="http://schemas.microsoft.com/office/2006/documentManagement/types"/>
-    <ds:schemaRef ds:uri="http://schemas.microsoft.com/office/infopath/2007/PartnerControls"/>
-    <ds:schemaRef ds:uri="http://schemas.openxmlformats.org/package/2006/metadata/core-properties"/>
-    <ds:schemaRef ds:uri="http://purl.org/dc/elements/1.1/"/>
-    <ds:schemaRef ds:uri="http://purl.org/dc/terms/"/>
-    <ds:schemaRef ds:uri="http://schemas.microsoft.com/internal/obd"/>
+    <ds:schemaRef ds:uri="http://schemas.microsoft.com/sharepoint/v3/contenttype/forms"/>
   </ds:schemaRefs>
 </ds:datastoreItem>
 </file>
@@ -12261,9 +12257,19 @@
 </file>
 
 <file path=customXml/itemProps3.xml><?xml version="1.0" encoding="utf-8"?>
-<ds:datastoreItem xmlns:ds="http://schemas.openxmlformats.org/officeDocument/2006/customXml" ds:itemID="{DCF31296-EC6C-4E0F-A447-B65B00A99687}">
+<ds:datastoreItem xmlns:ds="http://schemas.openxmlformats.org/officeDocument/2006/customXml" ds:itemID="{47E40AA2-AB36-4BDA-A3F5-D667D1634435}">
   <ds:schemaRefs>
-    <ds:schemaRef ds:uri="http://schemas.microsoft.com/sharepoint/v3/contenttype/forms"/>
+    <ds:schemaRef ds:uri="http://schemas.microsoft.com/office/2006/metadata/contentType"/>
+    <ds:schemaRef ds:uri="http://schemas.microsoft.com/office/2006/metadata/properties/metaAttributes"/>
+    <ds:schemaRef ds:uri="http://www.w3.org/2001/XMLSchema"/>
+    <ds:schemaRef ds:uri="http://schemas.microsoft.com/office/2006/metadata/properties"/>
+    <ds:schemaRef ds:uri="522e9e59-5b9e-4fcd-a4b6-ad60182caee2"/>
+    <ds:schemaRef ds:uri="http://schemas.microsoft.com/office/2006/documentManagement/types"/>
+    <ds:schemaRef ds:uri="http://schemas.microsoft.com/office/infopath/2007/PartnerControls"/>
+    <ds:schemaRef ds:uri="http://schemas.openxmlformats.org/package/2006/metadata/core-properties"/>
+    <ds:schemaRef ds:uri="http://purl.org/dc/elements/1.1/"/>
+    <ds:schemaRef ds:uri="http://purl.org/dc/terms/"/>
+    <ds:schemaRef ds:uri="http://schemas.microsoft.com/internal/obd"/>
   </ds:schemaRefs>
 </ds:datastoreItem>
 </file>